--- a/EDA_LendingClub_Slides_Shell.pptx
+++ b/EDA_LendingClub_Slides_Shell.pptx
@@ -4,24 +4,25 @@
   <p:sldMasterIdLst>
     <p:sldMasterId id="2147483648" r:id="rId1"/>
   </p:sldMasterIdLst>
+  <p:notesMasterIdLst>
+    <p:notesMasterId r:id="rId17"/>
+  </p:notesMasterIdLst>
   <p:sldIdLst>
     <p:sldId id="257" r:id="rId2"/>
     <p:sldId id="256" r:id="rId3"/>
     <p:sldId id="258" r:id="rId4"/>
-    <p:sldId id="265" r:id="rId5"/>
-    <p:sldId id="262" r:id="rId6"/>
-    <p:sldId id="264" r:id="rId7"/>
-    <p:sldId id="266" r:id="rId8"/>
-    <p:sldId id="267" r:id="rId9"/>
-    <p:sldId id="268" r:id="rId10"/>
-    <p:sldId id="269" r:id="rId11"/>
-    <p:sldId id="270" r:id="rId12"/>
-    <p:sldId id="271" r:id="rId13"/>
-    <p:sldId id="272" r:id="rId14"/>
-    <p:sldId id="273" r:id="rId15"/>
-    <p:sldId id="274" r:id="rId16"/>
-    <p:sldId id="275" r:id="rId17"/>
-    <p:sldId id="263" r:id="rId18"/>
+    <p:sldId id="266" r:id="rId5"/>
+    <p:sldId id="265" r:id="rId6"/>
+    <p:sldId id="262" r:id="rId7"/>
+    <p:sldId id="264" r:id="rId8"/>
+    <p:sldId id="269" r:id="rId9"/>
+    <p:sldId id="270" r:id="rId10"/>
+    <p:sldId id="271" r:id="rId11"/>
+    <p:sldId id="272" r:id="rId12"/>
+    <p:sldId id="273" r:id="rId13"/>
+    <p:sldId id="274" r:id="rId14"/>
+    <p:sldId id="275" r:id="rId15"/>
+    <p:sldId id="263" r:id="rId16"/>
   </p:sldIdLst>
   <p:sldSz cx="12192000" cy="6858000"/>
   <p:notesSz cx="6858000" cy="9144000"/>
@@ -120,7 +121,1033 @@
       </a:defRPr>
     </a:lvl9pPr>
   </p:defaultTextStyle>
+  <p:extLst>
+    <p:ext uri="{EFAFB233-063F-42B5-8137-9DF3F51BA10A}">
+      <p15:sldGuideLst xmlns:p15="http://schemas.microsoft.com/office/powerpoint/2012/main"/>
+    </p:ext>
+  </p:extLst>
 </p:presentation>
+</file>
+
+<file path=ppt/notesMasters/notesMaster1.xml><?xml version="1.0" encoding="utf-8"?>
+<p:notesMaster xmlns:a="http://schemas.openxmlformats.org/drawingml/2006/main" xmlns:r="http://schemas.openxmlformats.org/officeDocument/2006/relationships" xmlns:p="http://schemas.openxmlformats.org/presentationml/2006/main">
+  <p:cSld>
+    <p:bg>
+      <p:bgRef idx="1001">
+        <a:schemeClr val="bg1"/>
+      </p:bgRef>
+    </p:bg>
+    <p:spTree>
+      <p:nvGrpSpPr>
+        <p:cNvPr id="1" name=""/>
+        <p:cNvGrpSpPr/>
+        <p:nvPr/>
+      </p:nvGrpSpPr>
+      <p:grpSpPr>
+        <a:xfrm>
+          <a:off x="0" y="0"/>
+          <a:ext cx="0" cy="0"/>
+          <a:chOff x="0" y="0"/>
+          <a:chExt cx="0" cy="0"/>
+        </a:xfrm>
+      </p:grpSpPr>
+      <p:sp>
+        <p:nvSpPr>
+          <p:cNvPr id="2" name="Header Placeholder 1"/>
+          <p:cNvSpPr>
+            <a:spLocks noGrp="1"/>
+          </p:cNvSpPr>
+          <p:nvPr>
+            <p:ph type="hdr" sz="quarter"/>
+          </p:nvPr>
+        </p:nvSpPr>
+        <p:spPr>
+          <a:xfrm>
+            <a:off x="0" y="0"/>
+            <a:ext cx="2971800" cy="458788"/>
+          </a:xfrm>
+          <a:prstGeom prst="rect">
+            <a:avLst/>
+          </a:prstGeom>
+        </p:spPr>
+        <p:txBody>
+          <a:bodyPr vert="horz" lIns="91440" tIns="45720" rIns="91440" bIns="45720" rtlCol="0"/>
+          <a:lstStyle>
+            <a:lvl1pPr algn="l">
+              <a:defRPr sz="1200"/>
+            </a:lvl1pPr>
+          </a:lstStyle>
+          <a:p>
+            <a:endParaRPr lang="en-US"/>
+          </a:p>
+        </p:txBody>
+      </p:sp>
+      <p:sp>
+        <p:nvSpPr>
+          <p:cNvPr id="3" name="Date Placeholder 2"/>
+          <p:cNvSpPr>
+            <a:spLocks noGrp="1"/>
+          </p:cNvSpPr>
+          <p:nvPr>
+            <p:ph type="dt" idx="1"/>
+          </p:nvPr>
+        </p:nvSpPr>
+        <p:spPr>
+          <a:xfrm>
+            <a:off x="3884613" y="0"/>
+            <a:ext cx="2971800" cy="458788"/>
+          </a:xfrm>
+          <a:prstGeom prst="rect">
+            <a:avLst/>
+          </a:prstGeom>
+        </p:spPr>
+        <p:txBody>
+          <a:bodyPr vert="horz" lIns="91440" tIns="45720" rIns="91440" bIns="45720" rtlCol="0"/>
+          <a:lstStyle>
+            <a:lvl1pPr algn="r">
+              <a:defRPr sz="1200"/>
+            </a:lvl1pPr>
+          </a:lstStyle>
+          <a:p>
+            <a:fld id="{9C353C53-07B0-40D4-B5E2-E782946E0646}" type="datetimeFigureOut">
+              <a:rPr lang="en-US" smtClean="0"/>
+              <a:t>11/6/2022</a:t>
+            </a:fld>
+            <a:endParaRPr lang="en-US"/>
+          </a:p>
+        </p:txBody>
+      </p:sp>
+      <p:sp>
+        <p:nvSpPr>
+          <p:cNvPr id="4" name="Slide Image Placeholder 3"/>
+          <p:cNvSpPr>
+            <a:spLocks noGrp="1" noRot="1" noChangeAspect="1"/>
+          </p:cNvSpPr>
+          <p:nvPr>
+            <p:ph type="sldImg" idx="2"/>
+          </p:nvPr>
+        </p:nvSpPr>
+        <p:spPr>
+          <a:xfrm>
+            <a:off x="685800" y="1143000"/>
+            <a:ext cx="5486400" cy="3086100"/>
+          </a:xfrm>
+          <a:prstGeom prst="rect">
+            <a:avLst/>
+          </a:prstGeom>
+          <a:noFill/>
+          <a:ln w="12700">
+            <a:solidFill>
+              <a:prstClr val="black"/>
+            </a:solidFill>
+          </a:ln>
+        </p:spPr>
+        <p:txBody>
+          <a:bodyPr vert="horz" lIns="91440" tIns="45720" rIns="91440" bIns="45720" rtlCol="0" anchor="ctr"/>
+          <a:lstStyle/>
+          <a:p>
+            <a:endParaRPr lang="en-US"/>
+          </a:p>
+        </p:txBody>
+      </p:sp>
+      <p:sp>
+        <p:nvSpPr>
+          <p:cNvPr id="5" name="Notes Placeholder 4"/>
+          <p:cNvSpPr>
+            <a:spLocks noGrp="1"/>
+          </p:cNvSpPr>
+          <p:nvPr>
+            <p:ph type="body" sz="quarter" idx="3"/>
+          </p:nvPr>
+        </p:nvSpPr>
+        <p:spPr>
+          <a:xfrm>
+            <a:off x="685800" y="4400550"/>
+            <a:ext cx="5486400" cy="3600450"/>
+          </a:xfrm>
+          <a:prstGeom prst="rect">
+            <a:avLst/>
+          </a:prstGeom>
+        </p:spPr>
+        <p:txBody>
+          <a:bodyPr vert="horz" lIns="91440" tIns="45720" rIns="91440" bIns="45720" rtlCol="0"/>
+          <a:lstStyle/>
+          <a:p>
+            <a:pPr lvl="0"/>
+            <a:r>
+              <a:rPr lang="en-US"/>
+              <a:t>Click to edit Master text styles</a:t>
+            </a:r>
+          </a:p>
+          <a:p>
+            <a:pPr lvl="1"/>
+            <a:r>
+              <a:rPr lang="en-US"/>
+              <a:t>Second level</a:t>
+            </a:r>
+          </a:p>
+          <a:p>
+            <a:pPr lvl="2"/>
+            <a:r>
+              <a:rPr lang="en-US"/>
+              <a:t>Third level</a:t>
+            </a:r>
+          </a:p>
+          <a:p>
+            <a:pPr lvl="3"/>
+            <a:r>
+              <a:rPr lang="en-US"/>
+              <a:t>Fourth level</a:t>
+            </a:r>
+          </a:p>
+          <a:p>
+            <a:pPr lvl="4"/>
+            <a:r>
+              <a:rPr lang="en-US"/>
+              <a:t>Fifth level</a:t>
+            </a:r>
+          </a:p>
+        </p:txBody>
+      </p:sp>
+      <p:sp>
+        <p:nvSpPr>
+          <p:cNvPr id="6" name="Footer Placeholder 5"/>
+          <p:cNvSpPr>
+            <a:spLocks noGrp="1"/>
+          </p:cNvSpPr>
+          <p:nvPr>
+            <p:ph type="ftr" sz="quarter" idx="4"/>
+          </p:nvPr>
+        </p:nvSpPr>
+        <p:spPr>
+          <a:xfrm>
+            <a:off x="0" y="8685213"/>
+            <a:ext cx="2971800" cy="458787"/>
+          </a:xfrm>
+          <a:prstGeom prst="rect">
+            <a:avLst/>
+          </a:prstGeom>
+        </p:spPr>
+        <p:txBody>
+          <a:bodyPr vert="horz" lIns="91440" tIns="45720" rIns="91440" bIns="45720" rtlCol="0" anchor="b"/>
+          <a:lstStyle>
+            <a:lvl1pPr algn="l">
+              <a:defRPr sz="1200"/>
+            </a:lvl1pPr>
+          </a:lstStyle>
+          <a:p>
+            <a:endParaRPr lang="en-US"/>
+          </a:p>
+        </p:txBody>
+      </p:sp>
+      <p:sp>
+        <p:nvSpPr>
+          <p:cNvPr id="7" name="Slide Number Placeholder 6"/>
+          <p:cNvSpPr>
+            <a:spLocks noGrp="1"/>
+          </p:cNvSpPr>
+          <p:nvPr>
+            <p:ph type="sldNum" sz="quarter" idx="5"/>
+          </p:nvPr>
+        </p:nvSpPr>
+        <p:spPr>
+          <a:xfrm>
+            <a:off x="3884613" y="8685213"/>
+            <a:ext cx="2971800" cy="458787"/>
+          </a:xfrm>
+          <a:prstGeom prst="rect">
+            <a:avLst/>
+          </a:prstGeom>
+        </p:spPr>
+        <p:txBody>
+          <a:bodyPr vert="horz" lIns="91440" tIns="45720" rIns="91440" bIns="45720" rtlCol="0" anchor="b"/>
+          <a:lstStyle>
+            <a:lvl1pPr algn="r">
+              <a:defRPr sz="1200"/>
+            </a:lvl1pPr>
+          </a:lstStyle>
+          <a:p>
+            <a:fld id="{AC8048E5-81EE-4AB3-8E5D-5B542F46B961}" type="slidenum">
+              <a:rPr lang="en-US" smtClean="0"/>
+              <a:t>‹#›</a:t>
+            </a:fld>
+            <a:endParaRPr lang="en-US"/>
+          </a:p>
+        </p:txBody>
+      </p:sp>
+    </p:spTree>
+    <p:extLst>
+      <p:ext uri="{BB962C8B-B14F-4D97-AF65-F5344CB8AC3E}">
+        <p14:creationId xmlns:p14="http://schemas.microsoft.com/office/powerpoint/2010/main" val="4268888886"/>
+      </p:ext>
+    </p:extLst>
+  </p:cSld>
+  <p:clrMap bg1="lt1" tx1="dk1" bg2="lt2" tx2="dk2" accent1="accent1" accent2="accent2" accent3="accent3" accent4="accent4" accent5="accent5" accent6="accent6" hlink="hlink" folHlink="folHlink"/>
+  <p:notesStyle>
+    <a:lvl1pPr marL="0" algn="l" defTabSz="914400" rtl="0" eaLnBrk="1" latinLnBrk="0" hangingPunct="1">
+      <a:defRPr sz="1200" kern="1200">
+        <a:solidFill>
+          <a:schemeClr val="tx1"/>
+        </a:solidFill>
+        <a:latin typeface="+mn-lt"/>
+        <a:ea typeface="+mn-ea"/>
+        <a:cs typeface="+mn-cs"/>
+      </a:defRPr>
+    </a:lvl1pPr>
+    <a:lvl2pPr marL="457200" algn="l" defTabSz="914400" rtl="0" eaLnBrk="1" latinLnBrk="0" hangingPunct="1">
+      <a:defRPr sz="1200" kern="1200">
+        <a:solidFill>
+          <a:schemeClr val="tx1"/>
+        </a:solidFill>
+        <a:latin typeface="+mn-lt"/>
+        <a:ea typeface="+mn-ea"/>
+        <a:cs typeface="+mn-cs"/>
+      </a:defRPr>
+    </a:lvl2pPr>
+    <a:lvl3pPr marL="914400" algn="l" defTabSz="914400" rtl="0" eaLnBrk="1" latinLnBrk="0" hangingPunct="1">
+      <a:defRPr sz="1200" kern="1200">
+        <a:solidFill>
+          <a:schemeClr val="tx1"/>
+        </a:solidFill>
+        <a:latin typeface="+mn-lt"/>
+        <a:ea typeface="+mn-ea"/>
+        <a:cs typeface="+mn-cs"/>
+      </a:defRPr>
+    </a:lvl3pPr>
+    <a:lvl4pPr marL="1371600" algn="l" defTabSz="914400" rtl="0" eaLnBrk="1" latinLnBrk="0" hangingPunct="1">
+      <a:defRPr sz="1200" kern="1200">
+        <a:solidFill>
+          <a:schemeClr val="tx1"/>
+        </a:solidFill>
+        <a:latin typeface="+mn-lt"/>
+        <a:ea typeface="+mn-ea"/>
+        <a:cs typeface="+mn-cs"/>
+      </a:defRPr>
+    </a:lvl4pPr>
+    <a:lvl5pPr marL="1828800" algn="l" defTabSz="914400" rtl="0" eaLnBrk="1" latinLnBrk="0" hangingPunct="1">
+      <a:defRPr sz="1200" kern="1200">
+        <a:solidFill>
+          <a:schemeClr val="tx1"/>
+        </a:solidFill>
+        <a:latin typeface="+mn-lt"/>
+        <a:ea typeface="+mn-ea"/>
+        <a:cs typeface="+mn-cs"/>
+      </a:defRPr>
+    </a:lvl5pPr>
+    <a:lvl6pPr marL="2286000" algn="l" defTabSz="914400" rtl="0" eaLnBrk="1" latinLnBrk="0" hangingPunct="1">
+      <a:defRPr sz="1200" kern="1200">
+        <a:solidFill>
+          <a:schemeClr val="tx1"/>
+        </a:solidFill>
+        <a:latin typeface="+mn-lt"/>
+        <a:ea typeface="+mn-ea"/>
+        <a:cs typeface="+mn-cs"/>
+      </a:defRPr>
+    </a:lvl6pPr>
+    <a:lvl7pPr marL="2743200" algn="l" defTabSz="914400" rtl="0" eaLnBrk="1" latinLnBrk="0" hangingPunct="1">
+      <a:defRPr sz="1200" kern="1200">
+        <a:solidFill>
+          <a:schemeClr val="tx1"/>
+        </a:solidFill>
+        <a:latin typeface="+mn-lt"/>
+        <a:ea typeface="+mn-ea"/>
+        <a:cs typeface="+mn-cs"/>
+      </a:defRPr>
+    </a:lvl7pPr>
+    <a:lvl8pPr marL="3200400" algn="l" defTabSz="914400" rtl="0" eaLnBrk="1" latinLnBrk="0" hangingPunct="1">
+      <a:defRPr sz="1200" kern="1200">
+        <a:solidFill>
+          <a:schemeClr val="tx1"/>
+        </a:solidFill>
+        <a:latin typeface="+mn-lt"/>
+        <a:ea typeface="+mn-ea"/>
+        <a:cs typeface="+mn-cs"/>
+      </a:defRPr>
+    </a:lvl8pPr>
+    <a:lvl9pPr marL="3657600" algn="l" defTabSz="914400" rtl="0" eaLnBrk="1" latinLnBrk="0" hangingPunct="1">
+      <a:defRPr sz="1200" kern="1200">
+        <a:solidFill>
+          <a:schemeClr val="tx1"/>
+        </a:solidFill>
+        <a:latin typeface="+mn-lt"/>
+        <a:ea typeface="+mn-ea"/>
+        <a:cs typeface="+mn-cs"/>
+      </a:defRPr>
+    </a:lvl9pPr>
+  </p:notesStyle>
+</p:notesMaster>
+</file>
+
+<file path=ppt/notesSlides/notesSlide1.xml><?xml version="1.0" encoding="utf-8"?>
+<p:notes xmlns:a="http://schemas.openxmlformats.org/drawingml/2006/main" xmlns:r="http://schemas.openxmlformats.org/officeDocument/2006/relationships" xmlns:p="http://schemas.openxmlformats.org/presentationml/2006/main">
+  <p:cSld>
+    <p:spTree>
+      <p:nvGrpSpPr>
+        <p:cNvPr id="1" name=""/>
+        <p:cNvGrpSpPr/>
+        <p:nvPr/>
+      </p:nvGrpSpPr>
+      <p:grpSpPr>
+        <a:xfrm>
+          <a:off x="0" y="0"/>
+          <a:ext cx="0" cy="0"/>
+          <a:chOff x="0" y="0"/>
+          <a:chExt cx="0" cy="0"/>
+        </a:xfrm>
+      </p:grpSpPr>
+      <p:sp>
+        <p:nvSpPr>
+          <p:cNvPr id="2" name="Slide Image Placeholder 1"/>
+          <p:cNvSpPr>
+            <a:spLocks noGrp="1" noRot="1" noChangeAspect="1"/>
+          </p:cNvSpPr>
+          <p:nvPr>
+            <p:ph type="sldImg"/>
+          </p:nvPr>
+        </p:nvSpPr>
+        <p:spPr/>
+      </p:sp>
+      <p:sp>
+        <p:nvSpPr>
+          <p:cNvPr id="3" name="Notes Placeholder 2"/>
+          <p:cNvSpPr>
+            <a:spLocks noGrp="1"/>
+          </p:cNvSpPr>
+          <p:nvPr>
+            <p:ph type="body" idx="1"/>
+          </p:nvPr>
+        </p:nvSpPr>
+        <p:spPr/>
+        <p:txBody>
+          <a:bodyPr/>
+          <a:lstStyle/>
+          <a:p>
+            <a:r>
+              <a:rPr lang="en-US" dirty="0"/>
+              <a:t>Peer-to-peer (P2P) was a phenomenon less than ten years ago, exploding in popularity by offering a break from traditional banking. Individuals flocked to the alternative credit markets as alternative sources of funding and for new opportunities to finance their small business ventures.</a:t>
+            </a:r>
+          </a:p>
+          <a:p>
+            <a:r>
+              <a:rPr lang="en-US" dirty="0"/>
+              <a:t>Although direct P2P lending has undergone changes over recent years, it remains a viable option for borrowers and investors. We are seeking to understand the factors that might have </a:t>
+            </a:r>
+            <a:r>
+              <a:rPr lang="en-US" dirty="0" err="1"/>
+              <a:t>signalled</a:t>
+            </a:r>
+            <a:r>
+              <a:rPr lang="en-US" dirty="0"/>
+              <a:t> risky loans or borrowing practices and could be consumed or applied by prospective borrowers, lenders, and/or investors considering participating in direct P2P.</a:t>
+            </a:r>
+          </a:p>
+          <a:p>
+            <a:endParaRPr lang="en-US" dirty="0"/>
+          </a:p>
+        </p:txBody>
+      </p:sp>
+      <p:sp>
+        <p:nvSpPr>
+          <p:cNvPr id="4" name="Slide Number Placeholder 3"/>
+          <p:cNvSpPr>
+            <a:spLocks noGrp="1"/>
+          </p:cNvSpPr>
+          <p:nvPr>
+            <p:ph type="sldNum" sz="quarter" idx="5"/>
+          </p:nvPr>
+        </p:nvSpPr>
+        <p:spPr/>
+        <p:txBody>
+          <a:bodyPr/>
+          <a:lstStyle/>
+          <a:p>
+            <a:fld id="{AC8048E5-81EE-4AB3-8E5D-5B542F46B961}" type="slidenum">
+              <a:rPr lang="en-US" smtClean="0"/>
+              <a:t>2</a:t>
+            </a:fld>
+            <a:endParaRPr lang="en-US"/>
+          </a:p>
+        </p:txBody>
+      </p:sp>
+    </p:spTree>
+    <p:extLst>
+      <p:ext uri="{BB962C8B-B14F-4D97-AF65-F5344CB8AC3E}">
+        <p14:creationId xmlns:p14="http://schemas.microsoft.com/office/powerpoint/2010/main" val="3799169145"/>
+      </p:ext>
+    </p:extLst>
+  </p:cSld>
+  <p:clrMapOvr>
+    <a:masterClrMapping/>
+  </p:clrMapOvr>
+</p:notes>
+</file>
+
+<file path=ppt/notesSlides/notesSlide2.xml><?xml version="1.0" encoding="utf-8"?>
+<p:notes xmlns:a="http://schemas.openxmlformats.org/drawingml/2006/main" xmlns:r="http://schemas.openxmlformats.org/officeDocument/2006/relationships" xmlns:p="http://schemas.openxmlformats.org/presentationml/2006/main">
+  <p:cSld>
+    <p:spTree>
+      <p:nvGrpSpPr>
+        <p:cNvPr id="1" name=""/>
+        <p:cNvGrpSpPr/>
+        <p:nvPr/>
+      </p:nvGrpSpPr>
+      <p:grpSpPr>
+        <a:xfrm>
+          <a:off x="0" y="0"/>
+          <a:ext cx="0" cy="0"/>
+          <a:chOff x="0" y="0"/>
+          <a:chExt cx="0" cy="0"/>
+        </a:xfrm>
+      </p:grpSpPr>
+      <p:sp>
+        <p:nvSpPr>
+          <p:cNvPr id="2" name="Slide Image Placeholder 1"/>
+          <p:cNvSpPr>
+            <a:spLocks noGrp="1" noRot="1" noChangeAspect="1"/>
+          </p:cNvSpPr>
+          <p:nvPr>
+            <p:ph type="sldImg"/>
+          </p:nvPr>
+        </p:nvSpPr>
+        <p:spPr/>
+      </p:sp>
+      <p:sp>
+        <p:nvSpPr>
+          <p:cNvPr id="3" name="Notes Placeholder 2"/>
+          <p:cNvSpPr>
+            <a:spLocks noGrp="1"/>
+          </p:cNvSpPr>
+          <p:nvPr>
+            <p:ph type="body" idx="1"/>
+          </p:nvPr>
+        </p:nvSpPr>
+        <p:spPr/>
+        <p:txBody>
+          <a:bodyPr/>
+          <a:lstStyle/>
+          <a:p>
+            <a:pPr marL="0" marR="0" lvl="0" indent="0" algn="l" defTabSz="914400" rtl="0" eaLnBrk="1" fontAlgn="auto" latinLnBrk="0" hangingPunct="1">
+              <a:lnSpc>
+                <a:spcPct val="100000"/>
+              </a:lnSpc>
+              <a:spcBef>
+                <a:spcPts val="0"/>
+              </a:spcBef>
+              <a:spcAft>
+                <a:spcPts val="0"/>
+              </a:spcAft>
+              <a:buClrTx/>
+              <a:buSzTx/>
+              <a:buFontTx/>
+              <a:buNone/>
+              <a:tabLst/>
+              <a:defRPr/>
+            </a:pPr>
+            <a:r>
+              <a:rPr lang="en-US" dirty="0"/>
+              <a:t>Our dataset contains over 9,500 observations of loan data from </a:t>
+            </a:r>
+            <a:r>
+              <a:rPr lang="en-US" dirty="0" err="1"/>
+              <a:t>LendingClub</a:t>
+            </a:r>
+            <a:r>
+              <a:rPr lang="en-US" dirty="0"/>
+              <a:t>, the largest online platform for direct P2P lending.</a:t>
+            </a:r>
+            <a:r>
+              <a:rPr lang="en-US" baseline="30000" dirty="0">
+                <a:hlinkClick r:id="rId3"/>
+              </a:rPr>
+              <a:t>1</a:t>
+            </a:r>
+            <a:r>
+              <a:rPr lang="en-US" dirty="0"/>
+              <a:t> We believe that the timeframe of 2007 to 2015 provides the most relevant data for prospective individual investors today, particularly because it is unlikely to include a significant number of large institutional lenders.</a:t>
+            </a:r>
+          </a:p>
+          <a:p>
+            <a:endParaRPr lang="en-US" dirty="0"/>
+          </a:p>
+          <a:p>
+            <a:endParaRPr lang="en-US" dirty="0"/>
+          </a:p>
+        </p:txBody>
+      </p:sp>
+      <p:sp>
+        <p:nvSpPr>
+          <p:cNvPr id="4" name="Slide Number Placeholder 3"/>
+          <p:cNvSpPr>
+            <a:spLocks noGrp="1"/>
+          </p:cNvSpPr>
+          <p:nvPr>
+            <p:ph type="sldNum" sz="quarter" idx="5"/>
+          </p:nvPr>
+        </p:nvSpPr>
+        <p:spPr/>
+        <p:txBody>
+          <a:bodyPr/>
+          <a:lstStyle/>
+          <a:p>
+            <a:fld id="{AC8048E5-81EE-4AB3-8E5D-5B542F46B961}" type="slidenum">
+              <a:rPr lang="en-US" smtClean="0"/>
+              <a:t>3</a:t>
+            </a:fld>
+            <a:endParaRPr lang="en-US"/>
+          </a:p>
+        </p:txBody>
+      </p:sp>
+    </p:spTree>
+    <p:extLst>
+      <p:ext uri="{BB962C8B-B14F-4D97-AF65-F5344CB8AC3E}">
+        <p14:creationId xmlns:p14="http://schemas.microsoft.com/office/powerpoint/2010/main" val="2552907932"/>
+      </p:ext>
+    </p:extLst>
+  </p:cSld>
+  <p:clrMapOvr>
+    <a:masterClrMapping/>
+  </p:clrMapOvr>
+</p:notes>
+</file>
+
+<file path=ppt/notesSlides/notesSlide3.xml><?xml version="1.0" encoding="utf-8"?>
+<p:notes xmlns:a="http://schemas.openxmlformats.org/drawingml/2006/main" xmlns:r="http://schemas.openxmlformats.org/officeDocument/2006/relationships" xmlns:p="http://schemas.openxmlformats.org/presentationml/2006/main">
+  <p:cSld>
+    <p:spTree>
+      <p:nvGrpSpPr>
+        <p:cNvPr id="1" name=""/>
+        <p:cNvGrpSpPr/>
+        <p:nvPr/>
+      </p:nvGrpSpPr>
+      <p:grpSpPr>
+        <a:xfrm>
+          <a:off x="0" y="0"/>
+          <a:ext cx="0" cy="0"/>
+          <a:chOff x="0" y="0"/>
+          <a:chExt cx="0" cy="0"/>
+        </a:xfrm>
+      </p:grpSpPr>
+      <p:sp>
+        <p:nvSpPr>
+          <p:cNvPr id="2" name="Slide Image Placeholder 1"/>
+          <p:cNvSpPr>
+            <a:spLocks noGrp="1" noRot="1" noChangeAspect="1"/>
+          </p:cNvSpPr>
+          <p:nvPr>
+            <p:ph type="sldImg"/>
+          </p:nvPr>
+        </p:nvSpPr>
+        <p:spPr/>
+      </p:sp>
+      <p:sp>
+        <p:nvSpPr>
+          <p:cNvPr id="3" name="Notes Placeholder 2"/>
+          <p:cNvSpPr>
+            <a:spLocks noGrp="1"/>
+          </p:cNvSpPr>
+          <p:nvPr>
+            <p:ph type="body" idx="1"/>
+          </p:nvPr>
+        </p:nvSpPr>
+        <p:spPr/>
+        <p:txBody>
+          <a:bodyPr/>
+          <a:lstStyle/>
+          <a:p>
+            <a:r>
+              <a:rPr lang="en-US" dirty="0"/>
+              <a:t>Our exploratory data analysis will adhere to the 9-step</a:t>
+            </a:r>
+            <a:r>
+              <a:rPr lang="en-US" baseline="30000" dirty="0">
+                <a:hlinkClick r:id="rId3"/>
+              </a:rPr>
+              <a:t>2</a:t>
+            </a:r>
+            <a:r>
+              <a:rPr lang="en-US" dirty="0"/>
+              <a:t> checklist presented in Chapter 4 of </a:t>
+            </a:r>
+            <a:r>
+              <a:rPr lang="en-US" i="1" dirty="0"/>
+              <a:t>The Art of Data Science</a:t>
+            </a:r>
+            <a:r>
+              <a:rPr lang="en-US" dirty="0"/>
+              <a:t>.</a:t>
+            </a:r>
+            <a:r>
+              <a:rPr lang="en-US" baseline="30000" dirty="0">
+                <a:hlinkClick r:id="rId4"/>
+              </a:rPr>
+              <a:t>3</a:t>
+            </a:r>
+            <a:r>
+              <a:rPr lang="en-US" dirty="0"/>
+              <a:t> These are the elements of our checklist.</a:t>
+            </a:r>
+          </a:p>
+          <a:p>
+            <a:endParaRPr lang="en-US" dirty="0"/>
+          </a:p>
+          <a:p>
+            <a:r>
+              <a:rPr lang="en-US" dirty="0"/>
+              <a:t>QUESTION: Our analysis explored things such as income-to-debt ratios, credit score, interest rates, and delinquencies among direct P2P borrowers in an attempt to understand the risks and opportunities associated with P2P. Specifically, we intend to examine the impact that these variables have on who received loans and who defaulted on their loans between 2007 and 2015.</a:t>
+            </a:r>
+          </a:p>
+        </p:txBody>
+      </p:sp>
+      <p:sp>
+        <p:nvSpPr>
+          <p:cNvPr id="4" name="Slide Number Placeholder 3"/>
+          <p:cNvSpPr>
+            <a:spLocks noGrp="1"/>
+          </p:cNvSpPr>
+          <p:nvPr>
+            <p:ph type="sldNum" sz="quarter" idx="5"/>
+          </p:nvPr>
+        </p:nvSpPr>
+        <p:spPr/>
+        <p:txBody>
+          <a:bodyPr/>
+          <a:lstStyle/>
+          <a:p>
+            <a:fld id="{AC8048E5-81EE-4AB3-8E5D-5B542F46B961}" type="slidenum">
+              <a:rPr lang="en-US" smtClean="0"/>
+              <a:t>4</a:t>
+            </a:fld>
+            <a:endParaRPr lang="en-US"/>
+          </a:p>
+        </p:txBody>
+      </p:sp>
+    </p:spTree>
+    <p:extLst>
+      <p:ext uri="{BB962C8B-B14F-4D97-AF65-F5344CB8AC3E}">
+        <p14:creationId xmlns:p14="http://schemas.microsoft.com/office/powerpoint/2010/main" val="3768283647"/>
+      </p:ext>
+    </p:extLst>
+  </p:cSld>
+  <p:clrMapOvr>
+    <a:masterClrMapping/>
+  </p:clrMapOvr>
+</p:notes>
+</file>
+
+<file path=ppt/notesSlides/notesSlide4.xml><?xml version="1.0" encoding="utf-8"?>
+<p:notes xmlns:a="http://schemas.openxmlformats.org/drawingml/2006/main" xmlns:r="http://schemas.openxmlformats.org/officeDocument/2006/relationships" xmlns:p="http://schemas.openxmlformats.org/presentationml/2006/main">
+  <p:cSld>
+    <p:spTree>
+      <p:nvGrpSpPr>
+        <p:cNvPr id="1" name=""/>
+        <p:cNvGrpSpPr/>
+        <p:nvPr/>
+      </p:nvGrpSpPr>
+      <p:grpSpPr>
+        <a:xfrm>
+          <a:off x="0" y="0"/>
+          <a:ext cx="0" cy="0"/>
+          <a:chOff x="0" y="0"/>
+          <a:chExt cx="0" cy="0"/>
+        </a:xfrm>
+      </p:grpSpPr>
+      <p:sp>
+        <p:nvSpPr>
+          <p:cNvPr id="2" name="Slide Image Placeholder 1"/>
+          <p:cNvSpPr>
+            <a:spLocks noGrp="1" noRot="1" noChangeAspect="1"/>
+          </p:cNvSpPr>
+          <p:nvPr>
+            <p:ph type="sldImg"/>
+          </p:nvPr>
+        </p:nvSpPr>
+        <p:spPr/>
+      </p:sp>
+      <p:sp>
+        <p:nvSpPr>
+          <p:cNvPr id="3" name="Notes Placeholder 2"/>
+          <p:cNvSpPr>
+            <a:spLocks noGrp="1"/>
+          </p:cNvSpPr>
+          <p:nvPr>
+            <p:ph type="body" idx="1"/>
+          </p:nvPr>
+        </p:nvSpPr>
+        <p:spPr/>
+        <p:txBody>
+          <a:bodyPr/>
+          <a:lstStyle/>
+          <a:p>
+            <a:r>
+              <a:rPr lang="en-US" dirty="0"/>
+              <a:t>After reading in our dataset and taking a look at the structure, we can see that it contains 9578 rows of data with 14 columns. We can also see that most of our variables are of the numeric data type. </a:t>
+            </a:r>
+          </a:p>
+          <a:p>
+            <a:endParaRPr lang="en-US" dirty="0"/>
+          </a:p>
+          <a:p>
+            <a:r>
+              <a:rPr lang="en-US" dirty="0"/>
+              <a:t>One thing we noted at this point while checking for blanks, or NAs, and wrongly formatted data, was the ‘like-logical’ nature of the last few variables but we’ll come back to that in a second.</a:t>
+            </a:r>
+          </a:p>
+        </p:txBody>
+      </p:sp>
+      <p:sp>
+        <p:nvSpPr>
+          <p:cNvPr id="4" name="Slide Number Placeholder 3"/>
+          <p:cNvSpPr>
+            <a:spLocks noGrp="1"/>
+          </p:cNvSpPr>
+          <p:nvPr>
+            <p:ph type="sldNum" sz="quarter" idx="5"/>
+          </p:nvPr>
+        </p:nvSpPr>
+        <p:spPr/>
+        <p:txBody>
+          <a:bodyPr/>
+          <a:lstStyle/>
+          <a:p>
+            <a:fld id="{AC8048E5-81EE-4AB3-8E5D-5B542F46B961}" type="slidenum">
+              <a:rPr lang="en-US" smtClean="0"/>
+              <a:t>5</a:t>
+            </a:fld>
+            <a:endParaRPr lang="en-US"/>
+          </a:p>
+        </p:txBody>
+      </p:sp>
+    </p:spTree>
+    <p:extLst>
+      <p:ext uri="{BB962C8B-B14F-4D97-AF65-F5344CB8AC3E}">
+        <p14:creationId xmlns:p14="http://schemas.microsoft.com/office/powerpoint/2010/main" val="704588822"/>
+      </p:ext>
+    </p:extLst>
+  </p:cSld>
+  <p:clrMapOvr>
+    <a:masterClrMapping/>
+  </p:clrMapOvr>
+</p:notes>
+</file>
+
+<file path=ppt/notesSlides/notesSlide5.xml><?xml version="1.0" encoding="utf-8"?>
+<p:notes xmlns:a="http://schemas.openxmlformats.org/drawingml/2006/main" xmlns:r="http://schemas.openxmlformats.org/officeDocument/2006/relationships" xmlns:p="http://schemas.openxmlformats.org/presentationml/2006/main">
+  <p:cSld>
+    <p:spTree>
+      <p:nvGrpSpPr>
+        <p:cNvPr id="1" name=""/>
+        <p:cNvGrpSpPr/>
+        <p:nvPr/>
+      </p:nvGrpSpPr>
+      <p:grpSpPr>
+        <a:xfrm>
+          <a:off x="0" y="0"/>
+          <a:ext cx="0" cy="0"/>
+          <a:chOff x="0" y="0"/>
+          <a:chExt cx="0" cy="0"/>
+        </a:xfrm>
+      </p:grpSpPr>
+      <p:sp>
+        <p:nvSpPr>
+          <p:cNvPr id="2" name="Slide Image Placeholder 1"/>
+          <p:cNvSpPr>
+            <a:spLocks noGrp="1" noRot="1" noChangeAspect="1"/>
+          </p:cNvSpPr>
+          <p:nvPr>
+            <p:ph type="sldImg"/>
+          </p:nvPr>
+        </p:nvSpPr>
+        <p:spPr/>
+      </p:sp>
+      <p:sp>
+        <p:nvSpPr>
+          <p:cNvPr id="3" name="Notes Placeholder 2"/>
+          <p:cNvSpPr>
+            <a:spLocks noGrp="1"/>
+          </p:cNvSpPr>
+          <p:nvPr>
+            <p:ph type="body" idx="1"/>
+          </p:nvPr>
+        </p:nvSpPr>
+        <p:spPr/>
+        <p:txBody>
+          <a:bodyPr/>
+          <a:lstStyle/>
+          <a:p>
+            <a:r>
+              <a:rPr lang="en-US" dirty="0"/>
+              <a:t>We also took a quick glance at the top and bottom of our </a:t>
+            </a:r>
+            <a:r>
+              <a:rPr lang="en-US" dirty="0" err="1"/>
+              <a:t>dataframe</a:t>
+            </a:r>
+            <a:r>
+              <a:rPr lang="en-US" dirty="0"/>
+              <a:t>, which indicates the data is structured in an acceptable way and that our variables match up with the appropriate data types and values for each column.</a:t>
+            </a:r>
+          </a:p>
+        </p:txBody>
+      </p:sp>
+      <p:sp>
+        <p:nvSpPr>
+          <p:cNvPr id="4" name="Slide Number Placeholder 3"/>
+          <p:cNvSpPr>
+            <a:spLocks noGrp="1"/>
+          </p:cNvSpPr>
+          <p:nvPr>
+            <p:ph type="sldNum" sz="quarter" idx="5"/>
+          </p:nvPr>
+        </p:nvSpPr>
+        <p:spPr/>
+        <p:txBody>
+          <a:bodyPr/>
+          <a:lstStyle/>
+          <a:p>
+            <a:fld id="{AC8048E5-81EE-4AB3-8E5D-5B542F46B961}" type="slidenum">
+              <a:rPr lang="en-US" smtClean="0"/>
+              <a:t>6</a:t>
+            </a:fld>
+            <a:endParaRPr lang="en-US"/>
+          </a:p>
+        </p:txBody>
+      </p:sp>
+    </p:spTree>
+    <p:extLst>
+      <p:ext uri="{BB962C8B-B14F-4D97-AF65-F5344CB8AC3E}">
+        <p14:creationId xmlns:p14="http://schemas.microsoft.com/office/powerpoint/2010/main" val="782319107"/>
+      </p:ext>
+    </p:extLst>
+  </p:cSld>
+  <p:clrMapOvr>
+    <a:masterClrMapping/>
+  </p:clrMapOvr>
+</p:notes>
+</file>
+
+<file path=ppt/notesSlides/notesSlide6.xml><?xml version="1.0" encoding="utf-8"?>
+<p:notes xmlns:a="http://schemas.openxmlformats.org/drawingml/2006/main" xmlns:r="http://schemas.openxmlformats.org/officeDocument/2006/relationships" xmlns:p="http://schemas.openxmlformats.org/presentationml/2006/main">
+  <p:cSld>
+    <p:spTree>
+      <p:nvGrpSpPr>
+        <p:cNvPr id="1" name=""/>
+        <p:cNvGrpSpPr/>
+        <p:nvPr/>
+      </p:nvGrpSpPr>
+      <p:grpSpPr>
+        <a:xfrm>
+          <a:off x="0" y="0"/>
+          <a:ext cx="0" cy="0"/>
+          <a:chOff x="0" y="0"/>
+          <a:chExt cx="0" cy="0"/>
+        </a:xfrm>
+      </p:grpSpPr>
+      <p:sp>
+        <p:nvSpPr>
+          <p:cNvPr id="2" name="Slide Image Placeholder 1"/>
+          <p:cNvSpPr>
+            <a:spLocks noGrp="1" noRot="1" noChangeAspect="1"/>
+          </p:cNvSpPr>
+          <p:nvPr>
+            <p:ph type="sldImg"/>
+          </p:nvPr>
+        </p:nvSpPr>
+        <p:spPr/>
+      </p:sp>
+      <p:sp>
+        <p:nvSpPr>
+          <p:cNvPr id="3" name="Notes Placeholder 2"/>
+          <p:cNvSpPr>
+            <a:spLocks noGrp="1"/>
+          </p:cNvSpPr>
+          <p:nvPr>
+            <p:ph type="body" idx="1"/>
+          </p:nvPr>
+        </p:nvSpPr>
+        <p:spPr/>
+        <p:txBody>
+          <a:bodyPr/>
+          <a:lstStyle/>
+          <a:p>
+            <a:r>
+              <a:rPr lang="en-US" dirty="0"/>
+              <a:t>We got the basic descriptive statistics of the variables to improve our understanding of the data and help give us an idea of what we could expect further down ling. This also confirmed for us that those few variables that were possibly </a:t>
+            </a:r>
+            <a:r>
+              <a:rPr lang="en-US" dirty="0" err="1"/>
+              <a:t>logicals</a:t>
+            </a:r>
+            <a:r>
+              <a:rPr lang="en-US" dirty="0"/>
+              <a:t> are not and our analysis won’t be disrupted by any TRUE or FALSE values.</a:t>
+            </a:r>
+          </a:p>
+          <a:p>
+            <a:endParaRPr lang="en-US" dirty="0"/>
+          </a:p>
+          <a:p>
+            <a:r>
+              <a:rPr lang="en-US" dirty="0"/>
+              <a:t>We gauged the reliability of our data by comparing some of our variables against what we would expect to see. For example,  interest rates for the data are between 6% and 21.64% and credit scores range from 612 to 827. Although interest rates might seem to reach excessively high rates or credit scores too meager, the P2P market tended to consist of more risky loans. This aligned with our expectation and reinforced our confidence in the dataset.</a:t>
+            </a:r>
+          </a:p>
+          <a:p>
+            <a:endParaRPr lang="en-US" dirty="0"/>
+          </a:p>
+          <a:p>
+            <a:r>
+              <a:rPr lang="en-US" dirty="0"/>
+              <a:t>The range of the utilization, or the percent of credit being used, is between 0% and 119%. Someone utilizing more than 100% of the credit available to them initially seemed erroneous; however, this can occur from technical error, creditors and collectors reporting at different date/times, borrowers opening and closing credit lines, or possibly when borrowers appear as authorized users of others’ credit lines. Regardless, only 27 loans within our dataset appear to exceed the standard maximum of 100% so we do not expect this to have a significant effect on our analysis.</a:t>
+            </a:r>
+          </a:p>
+          <a:p>
+            <a:endParaRPr lang="en-US" dirty="0"/>
+          </a:p>
+          <a:p>
+            <a:r>
+              <a:rPr lang="en-US" dirty="0"/>
+              <a:t>According to the Kaggle site where we got this dataset from, there are 9,578 rows and 14 columns, which matches what we have. The site also shows that there is no missing data. Let’s verify that by adding the total number of missing cells in the dataset, which is 0.</a:t>
+            </a:r>
+          </a:p>
+          <a:p>
+            <a:endParaRPr lang="en-US" dirty="0"/>
+          </a:p>
+        </p:txBody>
+      </p:sp>
+      <p:sp>
+        <p:nvSpPr>
+          <p:cNvPr id="4" name="Slide Number Placeholder 3"/>
+          <p:cNvSpPr>
+            <a:spLocks noGrp="1"/>
+          </p:cNvSpPr>
+          <p:nvPr>
+            <p:ph type="sldNum" sz="quarter" idx="5"/>
+          </p:nvPr>
+        </p:nvSpPr>
+        <p:spPr/>
+        <p:txBody>
+          <a:bodyPr/>
+          <a:lstStyle/>
+          <a:p>
+            <a:fld id="{AC8048E5-81EE-4AB3-8E5D-5B542F46B961}" type="slidenum">
+              <a:rPr lang="en-US" smtClean="0"/>
+              <a:t>7</a:t>
+            </a:fld>
+            <a:endParaRPr lang="en-US"/>
+          </a:p>
+        </p:txBody>
+      </p:sp>
+    </p:spTree>
+    <p:extLst>
+      <p:ext uri="{BB962C8B-B14F-4D97-AF65-F5344CB8AC3E}">
+        <p14:creationId xmlns:p14="http://schemas.microsoft.com/office/powerpoint/2010/main" val="4282786217"/>
+      </p:ext>
+    </p:extLst>
+  </p:cSld>
+  <p:clrMapOvr>
+    <a:masterClrMapping/>
+  </p:clrMapOvr>
+</p:notes>
 </file>
 
 <file path=ppt/slideLayouts/slideLayout1.xml><?xml version="1.0" encoding="utf-8"?>
@@ -4737,7 +5764,7 @@
     </p:spTree>
     <p:extLst>
       <p:ext uri="{BB962C8B-B14F-4D97-AF65-F5344CB8AC3E}">
-        <p14:creationId xmlns:p14="http://schemas.microsoft.com/office/powerpoint/2010/main" val="2093328735"/>
+        <p14:creationId xmlns:p14="http://schemas.microsoft.com/office/powerpoint/2010/main" val="519177976"/>
       </p:ext>
     </p:extLst>
   </p:cSld>
@@ -4908,7 +5935,7 @@
     </p:spTree>
     <p:extLst>
       <p:ext uri="{BB962C8B-B14F-4D97-AF65-F5344CB8AC3E}">
-        <p14:creationId xmlns:p14="http://schemas.microsoft.com/office/powerpoint/2010/main" val="3950402776"/>
+        <p14:creationId xmlns:p14="http://schemas.microsoft.com/office/powerpoint/2010/main" val="4282919648"/>
       </p:ext>
     </p:extLst>
   </p:cSld>
@@ -5079,7 +6106,7 @@
     </p:spTree>
     <p:extLst>
       <p:ext uri="{BB962C8B-B14F-4D97-AF65-F5344CB8AC3E}">
-        <p14:creationId xmlns:p14="http://schemas.microsoft.com/office/powerpoint/2010/main" val="519177976"/>
+        <p14:creationId xmlns:p14="http://schemas.microsoft.com/office/powerpoint/2010/main" val="3440039680"/>
       </p:ext>
     </p:extLst>
   </p:cSld>
@@ -5250,7 +6277,7 @@
     </p:spTree>
     <p:extLst>
       <p:ext uri="{BB962C8B-B14F-4D97-AF65-F5344CB8AC3E}">
-        <p14:creationId xmlns:p14="http://schemas.microsoft.com/office/powerpoint/2010/main" val="4282919648"/>
+        <p14:creationId xmlns:p14="http://schemas.microsoft.com/office/powerpoint/2010/main" val="2315470928"/>
       </p:ext>
     </p:extLst>
   </p:cSld>
@@ -5421,7 +6448,7 @@
     </p:spTree>
     <p:extLst>
       <p:ext uri="{BB962C8B-B14F-4D97-AF65-F5344CB8AC3E}">
-        <p14:creationId xmlns:p14="http://schemas.microsoft.com/office/powerpoint/2010/main" val="3440039680"/>
+        <p14:creationId xmlns:p14="http://schemas.microsoft.com/office/powerpoint/2010/main" val="3135211236"/>
       </p:ext>
     </p:extLst>
   </p:cSld>
@@ -5432,348 +6459,6 @@
 </file>
 
 <file path=ppt/slides/slide15.xml><?xml version="1.0" encoding="utf-8"?>
-<p:sld xmlns:a="http://schemas.openxmlformats.org/drawingml/2006/main" xmlns:r="http://schemas.openxmlformats.org/officeDocument/2006/relationships" xmlns:p="http://schemas.openxmlformats.org/presentationml/2006/main">
-  <p:cSld>
-    <p:spTree>
-      <p:nvGrpSpPr>
-        <p:cNvPr id="1" name=""/>
-        <p:cNvGrpSpPr/>
-        <p:nvPr/>
-      </p:nvGrpSpPr>
-      <p:grpSpPr>
-        <a:xfrm>
-          <a:off x="0" y="0"/>
-          <a:ext cx="0" cy="0"/>
-          <a:chOff x="0" y="0"/>
-          <a:chExt cx="0" cy="0"/>
-        </a:xfrm>
-      </p:grpSpPr>
-      <p:pic>
-        <p:nvPicPr>
-          <p:cNvPr id="5" name="Picture 4">
-            <a:extLst>
-              <a:ext uri="{FF2B5EF4-FFF2-40B4-BE49-F238E27FC236}">
-                <a16:creationId xmlns:a16="http://schemas.microsoft.com/office/drawing/2014/main" id="{558453F9-F3C1-EDA3-6D83-43170A158A07}"/>
-              </a:ext>
-            </a:extLst>
-          </p:cNvPr>
-          <p:cNvPicPr>
-            <a:picLocks noChangeAspect="1"/>
-          </p:cNvPicPr>
-          <p:nvPr/>
-        </p:nvPicPr>
-        <p:blipFill rotWithShape="1">
-          <a:blip r:embed="rId2"/>
-          <a:srcRect t="10770" r="84371" b="20000"/>
-          <a:stretch/>
-        </p:blipFill>
-        <p:spPr>
-          <a:xfrm>
-            <a:off x="0" y="0"/>
-            <a:ext cx="1073997" cy="1175657"/>
-          </a:xfrm>
-          <a:prstGeom prst="rect">
-            <a:avLst/>
-          </a:prstGeom>
-        </p:spPr>
-      </p:pic>
-      <p:pic>
-        <p:nvPicPr>
-          <p:cNvPr id="6" name="Picture 5">
-            <a:extLst>
-              <a:ext uri="{FF2B5EF4-FFF2-40B4-BE49-F238E27FC236}">
-                <a16:creationId xmlns:a16="http://schemas.microsoft.com/office/drawing/2014/main" id="{CE1484BB-74DC-9E65-B32D-BE5FE2E385CD}"/>
-              </a:ext>
-            </a:extLst>
-          </p:cNvPr>
-          <p:cNvPicPr>
-            <a:picLocks noChangeAspect="1"/>
-          </p:cNvPicPr>
-          <p:nvPr/>
-        </p:nvPicPr>
-        <p:blipFill rotWithShape="1">
-          <a:blip r:embed="rId2"/>
-          <a:srcRect l="15172"/>
-          <a:stretch/>
-        </p:blipFill>
-        <p:spPr>
-          <a:xfrm>
-            <a:off x="9949987" y="0"/>
-            <a:ext cx="2242014" cy="653143"/>
-          </a:xfrm>
-          <a:prstGeom prst="rect">
-            <a:avLst/>
-          </a:prstGeom>
-        </p:spPr>
-      </p:pic>
-      <p:sp>
-        <p:nvSpPr>
-          <p:cNvPr id="7" name="TextBox 6">
-            <a:extLst>
-              <a:ext uri="{FF2B5EF4-FFF2-40B4-BE49-F238E27FC236}">
-                <a16:creationId xmlns:a16="http://schemas.microsoft.com/office/drawing/2014/main" id="{9EECCCD9-8AD5-9916-BC29-771066C9EE70}"/>
-              </a:ext>
-            </a:extLst>
-          </p:cNvPr>
-          <p:cNvSpPr txBox="1"/>
-          <p:nvPr/>
-        </p:nvSpPr>
-        <p:spPr>
-          <a:xfrm>
-            <a:off x="1" y="470259"/>
-            <a:ext cx="12192000" cy="861774"/>
-          </a:xfrm>
-          <a:prstGeom prst="rect">
-            <a:avLst/>
-          </a:prstGeom>
-          <a:noFill/>
-        </p:spPr>
-        <p:txBody>
-          <a:bodyPr wrap="square" rtlCol="0">
-            <a:spAutoFit/>
-          </a:bodyPr>
-          <a:lstStyle/>
-          <a:p>
-            <a:pPr algn="ctr"/>
-            <a:r>
-              <a:rPr lang="en-US" sz="5000" b="1" dirty="0">
-                <a:solidFill>
-                  <a:srgbClr val="002060"/>
-                </a:solidFill>
-              </a:rPr>
-              <a:t>Title</a:t>
-            </a:r>
-          </a:p>
-        </p:txBody>
-      </p:sp>
-      <p:cxnSp>
-        <p:nvCxnSpPr>
-          <p:cNvPr id="9" name="Straight Connector 8">
-            <a:extLst>
-              <a:ext uri="{FF2B5EF4-FFF2-40B4-BE49-F238E27FC236}">
-                <a16:creationId xmlns:a16="http://schemas.microsoft.com/office/drawing/2014/main" id="{450EE6D2-7381-B11A-A20A-0D5D0904DD35}"/>
-              </a:ext>
-            </a:extLst>
-          </p:cNvPr>
-          <p:cNvCxnSpPr>
-            <a:cxnSpLocks/>
-          </p:cNvCxnSpPr>
-          <p:nvPr/>
-        </p:nvCxnSpPr>
-        <p:spPr>
-          <a:xfrm>
-            <a:off x="757647" y="1332033"/>
-            <a:ext cx="10659291" cy="0"/>
-          </a:xfrm>
-          <a:prstGeom prst="line">
-            <a:avLst/>
-          </a:prstGeom>
-          <a:ln w="57150">
-            <a:solidFill>
-              <a:srgbClr val="002060"/>
-            </a:solidFill>
-          </a:ln>
-        </p:spPr>
-        <p:style>
-          <a:lnRef idx="1">
-            <a:schemeClr val="accent1"/>
-          </a:lnRef>
-          <a:fillRef idx="0">
-            <a:schemeClr val="accent1"/>
-          </a:fillRef>
-          <a:effectRef idx="0">
-            <a:schemeClr val="accent1"/>
-          </a:effectRef>
-          <a:fontRef idx="minor">
-            <a:schemeClr val="tx1"/>
-          </a:fontRef>
-        </p:style>
-      </p:cxnSp>
-    </p:spTree>
-    <p:extLst>
-      <p:ext uri="{BB962C8B-B14F-4D97-AF65-F5344CB8AC3E}">
-        <p14:creationId xmlns:p14="http://schemas.microsoft.com/office/powerpoint/2010/main" val="2315470928"/>
-      </p:ext>
-    </p:extLst>
-  </p:cSld>
-  <p:clrMapOvr>
-    <a:masterClrMapping/>
-  </p:clrMapOvr>
-</p:sld>
-</file>
-
-<file path=ppt/slides/slide16.xml><?xml version="1.0" encoding="utf-8"?>
-<p:sld xmlns:a="http://schemas.openxmlformats.org/drawingml/2006/main" xmlns:r="http://schemas.openxmlformats.org/officeDocument/2006/relationships" xmlns:p="http://schemas.openxmlformats.org/presentationml/2006/main">
-  <p:cSld>
-    <p:spTree>
-      <p:nvGrpSpPr>
-        <p:cNvPr id="1" name=""/>
-        <p:cNvGrpSpPr/>
-        <p:nvPr/>
-      </p:nvGrpSpPr>
-      <p:grpSpPr>
-        <a:xfrm>
-          <a:off x="0" y="0"/>
-          <a:ext cx="0" cy="0"/>
-          <a:chOff x="0" y="0"/>
-          <a:chExt cx="0" cy="0"/>
-        </a:xfrm>
-      </p:grpSpPr>
-      <p:pic>
-        <p:nvPicPr>
-          <p:cNvPr id="5" name="Picture 4">
-            <a:extLst>
-              <a:ext uri="{FF2B5EF4-FFF2-40B4-BE49-F238E27FC236}">
-                <a16:creationId xmlns:a16="http://schemas.microsoft.com/office/drawing/2014/main" id="{558453F9-F3C1-EDA3-6D83-43170A158A07}"/>
-              </a:ext>
-            </a:extLst>
-          </p:cNvPr>
-          <p:cNvPicPr>
-            <a:picLocks noChangeAspect="1"/>
-          </p:cNvPicPr>
-          <p:nvPr/>
-        </p:nvPicPr>
-        <p:blipFill rotWithShape="1">
-          <a:blip r:embed="rId2"/>
-          <a:srcRect t="10770" r="84371" b="20000"/>
-          <a:stretch/>
-        </p:blipFill>
-        <p:spPr>
-          <a:xfrm>
-            <a:off x="0" y="0"/>
-            <a:ext cx="1073997" cy="1175657"/>
-          </a:xfrm>
-          <a:prstGeom prst="rect">
-            <a:avLst/>
-          </a:prstGeom>
-        </p:spPr>
-      </p:pic>
-      <p:pic>
-        <p:nvPicPr>
-          <p:cNvPr id="6" name="Picture 5">
-            <a:extLst>
-              <a:ext uri="{FF2B5EF4-FFF2-40B4-BE49-F238E27FC236}">
-                <a16:creationId xmlns:a16="http://schemas.microsoft.com/office/drawing/2014/main" id="{CE1484BB-74DC-9E65-B32D-BE5FE2E385CD}"/>
-              </a:ext>
-            </a:extLst>
-          </p:cNvPr>
-          <p:cNvPicPr>
-            <a:picLocks noChangeAspect="1"/>
-          </p:cNvPicPr>
-          <p:nvPr/>
-        </p:nvPicPr>
-        <p:blipFill rotWithShape="1">
-          <a:blip r:embed="rId2"/>
-          <a:srcRect l="15172"/>
-          <a:stretch/>
-        </p:blipFill>
-        <p:spPr>
-          <a:xfrm>
-            <a:off x="9949987" y="0"/>
-            <a:ext cx="2242014" cy="653143"/>
-          </a:xfrm>
-          <a:prstGeom prst="rect">
-            <a:avLst/>
-          </a:prstGeom>
-        </p:spPr>
-      </p:pic>
-      <p:sp>
-        <p:nvSpPr>
-          <p:cNvPr id="7" name="TextBox 6">
-            <a:extLst>
-              <a:ext uri="{FF2B5EF4-FFF2-40B4-BE49-F238E27FC236}">
-                <a16:creationId xmlns:a16="http://schemas.microsoft.com/office/drawing/2014/main" id="{9EECCCD9-8AD5-9916-BC29-771066C9EE70}"/>
-              </a:ext>
-            </a:extLst>
-          </p:cNvPr>
-          <p:cNvSpPr txBox="1"/>
-          <p:nvPr/>
-        </p:nvSpPr>
-        <p:spPr>
-          <a:xfrm>
-            <a:off x="1" y="470259"/>
-            <a:ext cx="12192000" cy="861774"/>
-          </a:xfrm>
-          <a:prstGeom prst="rect">
-            <a:avLst/>
-          </a:prstGeom>
-          <a:noFill/>
-        </p:spPr>
-        <p:txBody>
-          <a:bodyPr wrap="square" rtlCol="0">
-            <a:spAutoFit/>
-          </a:bodyPr>
-          <a:lstStyle/>
-          <a:p>
-            <a:pPr algn="ctr"/>
-            <a:r>
-              <a:rPr lang="en-US" sz="5000" b="1" dirty="0">
-                <a:solidFill>
-                  <a:srgbClr val="002060"/>
-                </a:solidFill>
-              </a:rPr>
-              <a:t>Title</a:t>
-            </a:r>
-          </a:p>
-        </p:txBody>
-      </p:sp>
-      <p:cxnSp>
-        <p:nvCxnSpPr>
-          <p:cNvPr id="9" name="Straight Connector 8">
-            <a:extLst>
-              <a:ext uri="{FF2B5EF4-FFF2-40B4-BE49-F238E27FC236}">
-                <a16:creationId xmlns:a16="http://schemas.microsoft.com/office/drawing/2014/main" id="{450EE6D2-7381-B11A-A20A-0D5D0904DD35}"/>
-              </a:ext>
-            </a:extLst>
-          </p:cNvPr>
-          <p:cNvCxnSpPr>
-            <a:cxnSpLocks/>
-          </p:cNvCxnSpPr>
-          <p:nvPr/>
-        </p:nvCxnSpPr>
-        <p:spPr>
-          <a:xfrm>
-            <a:off x="757647" y="1332033"/>
-            <a:ext cx="10659291" cy="0"/>
-          </a:xfrm>
-          <a:prstGeom prst="line">
-            <a:avLst/>
-          </a:prstGeom>
-          <a:ln w="57150">
-            <a:solidFill>
-              <a:srgbClr val="002060"/>
-            </a:solidFill>
-          </a:ln>
-        </p:spPr>
-        <p:style>
-          <a:lnRef idx="1">
-            <a:schemeClr val="accent1"/>
-          </a:lnRef>
-          <a:fillRef idx="0">
-            <a:schemeClr val="accent1"/>
-          </a:fillRef>
-          <a:effectRef idx="0">
-            <a:schemeClr val="accent1"/>
-          </a:effectRef>
-          <a:fontRef idx="minor">
-            <a:schemeClr val="tx1"/>
-          </a:fontRef>
-        </p:style>
-      </p:cxnSp>
-    </p:spTree>
-    <p:extLst>
-      <p:ext uri="{BB962C8B-B14F-4D97-AF65-F5344CB8AC3E}">
-        <p14:creationId xmlns:p14="http://schemas.microsoft.com/office/powerpoint/2010/main" val="3135211236"/>
-      </p:ext>
-    </p:extLst>
-  </p:cSld>
-  <p:clrMapOvr>
-    <a:masterClrMapping/>
-  </p:clrMapOvr>
-</p:sld>
-</file>
-
-<file path=ppt/slides/slide17.xml><?xml version="1.0" encoding="utf-8"?>
 <p:sld xmlns:a="http://schemas.openxmlformats.org/drawingml/2006/main" xmlns:r="http://schemas.openxmlformats.org/officeDocument/2006/relationships" xmlns:p="http://schemas.openxmlformats.org/presentationml/2006/main">
   <p:cSld>
     <p:bg>
@@ -5883,7 +6568,7 @@
           <p:nvPr/>
         </p:nvPicPr>
         <p:blipFill rotWithShape="1">
-          <a:blip r:embed="rId2"/>
+          <a:blip r:embed="rId3"/>
           <a:srcRect t="10770" r="84371" b="20000"/>
           <a:stretch/>
         </p:blipFill>
@@ -5912,7 +6597,7 @@
           <p:nvPr/>
         </p:nvPicPr>
         <p:blipFill rotWithShape="1">
-          <a:blip r:embed="rId2"/>
+          <a:blip r:embed="rId3"/>
           <a:srcRect l="15172"/>
           <a:stretch/>
         </p:blipFill>
@@ -6078,7 +6763,7 @@
           <p:nvPr/>
         </p:nvPicPr>
         <p:blipFill>
-          <a:blip r:embed="rId3"/>
+          <a:blip r:embed="rId4"/>
           <a:stretch>
             <a:fillRect/>
           </a:stretch>
@@ -6138,7 +6823,7 @@
           <p:nvPr/>
         </p:nvPicPr>
         <p:blipFill rotWithShape="1">
-          <a:blip r:embed="rId2"/>
+          <a:blip r:embed="rId3"/>
           <a:srcRect t="10770" r="84371" b="20000"/>
           <a:stretch/>
         </p:blipFill>
@@ -6167,7 +6852,7 @@
           <p:nvPr/>
         </p:nvPicPr>
         <p:blipFill rotWithShape="1">
-          <a:blip r:embed="rId2"/>
+          <a:blip r:embed="rId3"/>
           <a:srcRect l="15172"/>
           <a:stretch/>
         </p:blipFill>
@@ -6300,11 +6985,188 @@
                   </a:schemeClr>
                 </a:solidFill>
               </a:rPr>
-              <a:t>Source: https://www.moneysmylife.com/lendingclub-review/</a:t>
-            </a:r>
-          </a:p>
-        </p:txBody>
-      </p:sp>
+              <a:t>https://www.kaggle.com/datasets/urstrulyvikas/lending-club-loan-data-analysis</a:t>
+            </a:r>
+          </a:p>
+        </p:txBody>
+      </p:sp>
+      <p:sp>
+        <p:nvSpPr>
+          <p:cNvPr id="3" name="TextBox 2">
+            <a:extLst>
+              <a:ext uri="{FF2B5EF4-FFF2-40B4-BE49-F238E27FC236}">
+                <a16:creationId xmlns:a16="http://schemas.microsoft.com/office/drawing/2014/main" id="{0DED20CC-E2E0-A93D-05C3-502D3C7DA89F}"/>
+              </a:ext>
+            </a:extLst>
+          </p:cNvPr>
+          <p:cNvSpPr txBox="1"/>
+          <p:nvPr/>
+        </p:nvSpPr>
+        <p:spPr>
+          <a:xfrm>
+            <a:off x="435008" y="2051297"/>
+            <a:ext cx="12192000" cy="1015663"/>
+          </a:xfrm>
+          <a:prstGeom prst="rect">
+            <a:avLst/>
+          </a:prstGeom>
+          <a:noFill/>
+        </p:spPr>
+        <p:txBody>
+          <a:bodyPr wrap="square" rtlCol="0">
+            <a:spAutoFit/>
+          </a:bodyPr>
+          <a:lstStyle/>
+          <a:p>
+            <a:pPr marL="342900" indent="-342900">
+              <a:buFont typeface="Arial" panose="020B0604020202020204" pitchFamily="34" charset="0"/>
+              <a:buChar char="•"/>
+            </a:pPr>
+            <a:r>
+              <a:rPr lang="en-US" sz="2000" dirty="0">
+                <a:solidFill>
+                  <a:srgbClr val="002060"/>
+                </a:solidFill>
+              </a:rPr>
+              <a:t>9,578 observations</a:t>
+            </a:r>
+          </a:p>
+          <a:p>
+            <a:pPr marL="342900" indent="-342900">
+              <a:buFont typeface="Arial" panose="020B0604020202020204" pitchFamily="34" charset="0"/>
+              <a:buChar char="•"/>
+            </a:pPr>
+            <a:endParaRPr lang="en-US" sz="2000" dirty="0">
+              <a:solidFill>
+                <a:srgbClr val="002060"/>
+              </a:solidFill>
+            </a:endParaRPr>
+          </a:p>
+          <a:p>
+            <a:pPr marL="342900" indent="-342900">
+              <a:buFont typeface="Arial" panose="020B0604020202020204" pitchFamily="34" charset="0"/>
+              <a:buChar char="•"/>
+            </a:pPr>
+            <a:r>
+              <a:rPr lang="en-US" sz="2000" dirty="0">
+                <a:solidFill>
+                  <a:srgbClr val="002060"/>
+                </a:solidFill>
+              </a:rPr>
+              <a:t>14 variables</a:t>
+            </a:r>
+          </a:p>
+        </p:txBody>
+      </p:sp>
+      <p:grpSp>
+        <p:nvGrpSpPr>
+          <p:cNvPr id="11" name="Group 10">
+            <a:extLst>
+              <a:ext uri="{FF2B5EF4-FFF2-40B4-BE49-F238E27FC236}">
+                <a16:creationId xmlns:a16="http://schemas.microsoft.com/office/drawing/2014/main" id="{98B041FF-AE67-B65E-7106-ADB71DA97963}"/>
+              </a:ext>
+            </a:extLst>
+          </p:cNvPr>
+          <p:cNvGrpSpPr/>
+          <p:nvPr/>
+        </p:nvGrpSpPr>
+        <p:grpSpPr>
+          <a:xfrm>
+            <a:off x="1548102" y="3429000"/>
+            <a:ext cx="9078380" cy="2726368"/>
+            <a:chOff x="3614552" y="4232928"/>
+            <a:chExt cx="8282655" cy="2446917"/>
+          </a:xfrm>
+        </p:grpSpPr>
+        <p:pic>
+          <p:nvPicPr>
+            <p:cNvPr id="8" name="Picture 7">
+              <a:extLst>
+                <a:ext uri="{FF2B5EF4-FFF2-40B4-BE49-F238E27FC236}">
+                  <a16:creationId xmlns:a16="http://schemas.microsoft.com/office/drawing/2014/main" id="{FF4A501D-7BB8-2500-FBE1-F3BA31F04E8F}"/>
+                </a:ext>
+              </a:extLst>
+            </p:cNvPr>
+            <p:cNvPicPr>
+              <a:picLocks noChangeAspect="1"/>
+            </p:cNvPicPr>
+            <p:nvPr/>
+          </p:nvPicPr>
+          <p:blipFill rotWithShape="1">
+            <a:blip r:embed="rId4"/>
+            <a:srcRect b="67818"/>
+            <a:stretch/>
+          </p:blipFill>
+          <p:spPr>
+            <a:xfrm>
+              <a:off x="3614552" y="4232928"/>
+              <a:ext cx="8282655" cy="1600604"/>
+            </a:xfrm>
+            <a:prstGeom prst="rect">
+              <a:avLst/>
+            </a:prstGeom>
+          </p:spPr>
+        </p:pic>
+        <p:sp>
+          <p:nvSpPr>
+            <p:cNvPr id="10" name="TextBox 9">
+              <a:extLst>
+                <a:ext uri="{FF2B5EF4-FFF2-40B4-BE49-F238E27FC236}">
+                  <a16:creationId xmlns:a16="http://schemas.microsoft.com/office/drawing/2014/main" id="{58C9A636-856C-8A53-E7F5-4FE39B9CAC53}"/>
+                </a:ext>
+              </a:extLst>
+            </p:cNvPr>
+            <p:cNvSpPr txBox="1"/>
+            <p:nvPr/>
+          </p:nvSpPr>
+          <p:spPr>
+            <a:xfrm>
+              <a:off x="3614552" y="5768287"/>
+              <a:ext cx="1493713" cy="911558"/>
+            </a:xfrm>
+            <a:prstGeom prst="rect">
+              <a:avLst/>
+            </a:prstGeom>
+            <a:noFill/>
+          </p:spPr>
+          <p:txBody>
+            <a:bodyPr wrap="square" rtlCol="0">
+              <a:spAutoFit/>
+            </a:bodyPr>
+            <a:lstStyle/>
+            <a:p>
+              <a:r>
+                <a:rPr lang="en-US" sz="1200" b="1" dirty="0"/>
+                <a:t>.</a:t>
+              </a:r>
+            </a:p>
+            <a:p>
+              <a:r>
+                <a:rPr lang="en-US" sz="1200" b="1" dirty="0"/>
+                <a:t>.</a:t>
+              </a:r>
+            </a:p>
+            <a:p>
+              <a:r>
+                <a:rPr lang="en-US" sz="1200" b="1" dirty="0"/>
+                <a:t>.</a:t>
+              </a:r>
+            </a:p>
+            <a:p>
+              <a:r>
+                <a:rPr lang="en-US" sz="1200" b="1" dirty="0"/>
+                <a:t>.</a:t>
+              </a:r>
+            </a:p>
+            <a:p>
+              <a:r>
+                <a:rPr lang="en-US" sz="1200" b="1" dirty="0"/>
+                <a:t>.</a:t>
+              </a:r>
+            </a:p>
+          </p:txBody>
+        </p:sp>
+      </p:grpSp>
     </p:spTree>
     <p:extLst>
       <p:ext uri="{BB962C8B-B14F-4D97-AF65-F5344CB8AC3E}">
@@ -6350,7 +7212,7 @@
           <p:nvPr/>
         </p:nvPicPr>
         <p:blipFill rotWithShape="1">
-          <a:blip r:embed="rId2"/>
+          <a:blip r:embed="rId3"/>
           <a:srcRect t="10770" r="84371" b="20000"/>
           <a:stretch/>
         </p:blipFill>
@@ -6379,7 +7241,7 @@
           <p:nvPr/>
         </p:nvPicPr>
         <p:blipFill rotWithShape="1">
-          <a:blip r:embed="rId2"/>
+          <a:blip r:embed="rId3"/>
           <a:srcRect l="15172"/>
           <a:stretch/>
         </p:blipFill>
@@ -6428,7 +7290,7 @@
                   <a:srgbClr val="002060"/>
                 </a:solidFill>
               </a:rPr>
-              <a:t>Data Structure</a:t>
+              <a:t>EDA</a:t>
             </a:r>
           </a:p>
         </p:txBody>
@@ -6478,10 +7340,235 @@
       </p:cxnSp>
       <p:sp>
         <p:nvSpPr>
-          <p:cNvPr id="2" name="TextBox 1">
-            <a:extLst>
-              <a:ext uri="{FF2B5EF4-FFF2-40B4-BE49-F238E27FC236}">
-                <a16:creationId xmlns:a16="http://schemas.microsoft.com/office/drawing/2014/main" id="{66452FBB-413E-BDEB-AB1D-F1B7DD15BB39}"/>
+          <p:cNvPr id="3" name="TextBox 2">
+            <a:extLst>
+              <a:ext uri="{FF2B5EF4-FFF2-40B4-BE49-F238E27FC236}">
+                <a16:creationId xmlns:a16="http://schemas.microsoft.com/office/drawing/2014/main" id="{522E54F9-C8A6-4996-9B52-40B31A14F6BA}"/>
+              </a:ext>
+            </a:extLst>
+          </p:cNvPr>
+          <p:cNvSpPr txBox="1"/>
+          <p:nvPr/>
+        </p:nvSpPr>
+        <p:spPr>
+          <a:xfrm>
+            <a:off x="457096" y="2184918"/>
+            <a:ext cx="6096000" cy="3785652"/>
+          </a:xfrm>
+          <a:prstGeom prst="rect">
+            <a:avLst/>
+          </a:prstGeom>
+          <a:noFill/>
+        </p:spPr>
+        <p:txBody>
+          <a:bodyPr wrap="square">
+            <a:spAutoFit/>
+          </a:bodyPr>
+          <a:lstStyle/>
+          <a:p>
+            <a:pPr marL="285750" indent="-285750">
+              <a:buFont typeface="Arial" panose="020B0604020202020204" pitchFamily="34" charset="0"/>
+              <a:buChar char="•"/>
+            </a:pPr>
+            <a:r>
+              <a:rPr lang="en-US" sz="2000" b="1" dirty="0">
+                <a:solidFill>
+                  <a:srgbClr val="002060"/>
+                </a:solidFill>
+                <a:effectLst/>
+              </a:rPr>
+              <a:t>EDA Steps </a:t>
+            </a:r>
+          </a:p>
+          <a:p>
+            <a:pPr lvl="1">
+              <a:buFont typeface="+mj-lt"/>
+              <a:buAutoNum type="arabicPeriod"/>
+            </a:pPr>
+            <a:r>
+              <a:rPr lang="en-US" sz="2000" dirty="0">
+                <a:solidFill>
+                  <a:srgbClr val="002060"/>
+                </a:solidFill>
+                <a:effectLst/>
+              </a:rPr>
+              <a:t> Formulate our question</a:t>
+            </a:r>
+          </a:p>
+          <a:p>
+            <a:pPr lvl="1">
+              <a:buFont typeface="+mj-lt"/>
+              <a:buAutoNum type="arabicPeriod"/>
+            </a:pPr>
+            <a:r>
+              <a:rPr lang="en-US" sz="2000" dirty="0">
+                <a:solidFill>
+                  <a:srgbClr val="002060"/>
+                </a:solidFill>
+                <a:effectLst/>
+              </a:rPr>
+              <a:t> Read in our data</a:t>
+            </a:r>
+          </a:p>
+          <a:p>
+            <a:pPr lvl="1">
+              <a:buFont typeface="+mj-lt"/>
+              <a:buAutoNum type="arabicPeriod"/>
+            </a:pPr>
+            <a:r>
+              <a:rPr lang="en-US" sz="2000" dirty="0">
+                <a:solidFill>
+                  <a:srgbClr val="002060"/>
+                </a:solidFill>
+                <a:effectLst/>
+              </a:rPr>
+              <a:t> Check the packaging</a:t>
+            </a:r>
+          </a:p>
+          <a:p>
+            <a:pPr lvl="1">
+              <a:buFont typeface="+mj-lt"/>
+              <a:buAutoNum type="arabicPeriod"/>
+            </a:pPr>
+            <a:r>
+              <a:rPr lang="en-US" sz="2000" dirty="0">
+                <a:solidFill>
+                  <a:srgbClr val="002060"/>
+                </a:solidFill>
+                <a:effectLst/>
+              </a:rPr>
+              <a:t> Look at the top and the bottom of your data</a:t>
+            </a:r>
+          </a:p>
+          <a:p>
+            <a:pPr lvl="1">
+              <a:buFont typeface="+mj-lt"/>
+              <a:buAutoNum type="arabicPeriod"/>
+            </a:pPr>
+            <a:r>
+              <a:rPr lang="en-US" sz="2000" dirty="0">
+                <a:solidFill>
+                  <a:srgbClr val="002060"/>
+                </a:solidFill>
+                <a:effectLst/>
+              </a:rPr>
+              <a:t> Check your “</a:t>
+            </a:r>
+            <a:r>
+              <a:rPr lang="en-US" sz="2000" dirty="0" err="1">
+                <a:solidFill>
+                  <a:srgbClr val="002060"/>
+                </a:solidFill>
+                <a:effectLst/>
+              </a:rPr>
+              <a:t>n”s</a:t>
+            </a:r>
+            <a:endParaRPr lang="en-US" sz="2000" dirty="0">
+              <a:solidFill>
+                <a:srgbClr val="002060"/>
+              </a:solidFill>
+              <a:effectLst/>
+            </a:endParaRPr>
+          </a:p>
+          <a:p>
+            <a:pPr lvl="1">
+              <a:buFont typeface="+mj-lt"/>
+              <a:buAutoNum type="arabicPeriod"/>
+            </a:pPr>
+            <a:r>
+              <a:rPr lang="en-US" sz="2000" dirty="0">
+                <a:solidFill>
+                  <a:srgbClr val="002060"/>
+                </a:solidFill>
+                <a:effectLst/>
+              </a:rPr>
+              <a:t> Validate with at least one external data source</a:t>
+            </a:r>
+          </a:p>
+          <a:p>
+            <a:pPr lvl="1">
+              <a:buFont typeface="+mj-lt"/>
+              <a:buAutoNum type="arabicPeriod"/>
+            </a:pPr>
+            <a:r>
+              <a:rPr lang="en-US" sz="2000" dirty="0">
+                <a:solidFill>
+                  <a:srgbClr val="002060"/>
+                </a:solidFill>
+                <a:effectLst/>
+              </a:rPr>
+              <a:t> Make a plot</a:t>
+            </a:r>
+          </a:p>
+          <a:p>
+            <a:pPr lvl="1">
+              <a:buFont typeface="+mj-lt"/>
+              <a:buAutoNum type="arabicPeriod"/>
+            </a:pPr>
+            <a:r>
+              <a:rPr lang="en-US" sz="2000" dirty="0">
+                <a:solidFill>
+                  <a:srgbClr val="002060"/>
+                </a:solidFill>
+                <a:effectLst/>
+              </a:rPr>
+              <a:t> Try the easy solution first</a:t>
+            </a:r>
+          </a:p>
+          <a:p>
+            <a:pPr lvl="1">
+              <a:buFont typeface="+mj-lt"/>
+              <a:buAutoNum type="arabicPeriod"/>
+            </a:pPr>
+            <a:r>
+              <a:rPr lang="en-US" sz="2000" dirty="0">
+                <a:solidFill>
+                  <a:srgbClr val="002060"/>
+                </a:solidFill>
+                <a:effectLst/>
+              </a:rPr>
+              <a:t> Follow up</a:t>
+            </a:r>
+          </a:p>
+          <a:p>
+            <a:pPr marL="285750" indent="-285750">
+              <a:buFont typeface="Arial" panose="020B0604020202020204" pitchFamily="34" charset="0"/>
+              <a:buChar char="•"/>
+            </a:pPr>
+            <a:endParaRPr lang="en-US" sz="2000" dirty="0">
+              <a:solidFill>
+                <a:srgbClr val="002060"/>
+              </a:solidFill>
+            </a:endParaRPr>
+          </a:p>
+          <a:p>
+            <a:pPr marL="285750" indent="-285750">
+              <a:buFont typeface="Arial" panose="020B0604020202020204" pitchFamily="34" charset="0"/>
+              <a:buChar char="•"/>
+            </a:pPr>
+            <a:r>
+              <a:rPr lang="en-US" sz="2000" b="1" dirty="0">
+                <a:solidFill>
+                  <a:srgbClr val="002060"/>
+                </a:solidFill>
+              </a:rPr>
+              <a:t>SMART Question</a:t>
+            </a:r>
+            <a:endParaRPr lang="en-US" sz="2000" b="1" dirty="0">
+              <a:solidFill>
+                <a:srgbClr val="002060"/>
+              </a:solidFill>
+              <a:effectLst/>
+            </a:endParaRPr>
+          </a:p>
+        </p:txBody>
+      </p:sp>
+      <p:sp>
+        <p:nvSpPr>
+          <p:cNvPr id="4" name="TextBox 3">
+            <a:extLst>
+              <a:ext uri="{FF2B5EF4-FFF2-40B4-BE49-F238E27FC236}">
+                <a16:creationId xmlns:a16="http://schemas.microsoft.com/office/drawing/2014/main" id="{1A42932A-B305-8359-50B0-B28DD7B655FE}"/>
               </a:ext>
             </a:extLst>
           </p:cNvPr>
@@ -6512,15 +7599,32 @@
                   </a:schemeClr>
                 </a:solidFill>
               </a:rPr>
-              <a:t>Source: https://www.moneysmylife.com/lendingclub-review/</a:t>
-            </a:r>
+              <a:t>Source: Chapter 4, </a:t>
+            </a:r>
+            <a:r>
+              <a:rPr lang="en-US" sz="900" i="1" dirty="0">
+                <a:solidFill>
+                  <a:schemeClr val="bg1">
+                    <a:lumMod val="65000"/>
+                  </a:schemeClr>
+                </a:solidFill>
+              </a:rPr>
+              <a:t>The Art of Data Science</a:t>
+            </a:r>
+            <a:endParaRPr lang="en-US" sz="900" dirty="0">
+              <a:solidFill>
+                <a:schemeClr val="bg1">
+                  <a:lumMod val="65000"/>
+                </a:schemeClr>
+              </a:solidFill>
+            </a:endParaRPr>
           </a:p>
         </p:txBody>
       </p:sp>
     </p:spTree>
     <p:extLst>
       <p:ext uri="{BB962C8B-B14F-4D97-AF65-F5344CB8AC3E}">
-        <p14:creationId xmlns:p14="http://schemas.microsoft.com/office/powerpoint/2010/main" val="2433708842"/>
+        <p14:creationId xmlns:p14="http://schemas.microsoft.com/office/powerpoint/2010/main" val="4234777982"/>
       </p:ext>
     </p:extLst>
   </p:cSld>
@@ -6562,7 +7666,7 @@
           <p:nvPr/>
         </p:nvPicPr>
         <p:blipFill rotWithShape="1">
-          <a:blip r:embed="rId2"/>
+          <a:blip r:embed="rId3"/>
           <a:srcRect t="10770" r="84371" b="20000"/>
           <a:stretch/>
         </p:blipFill>
@@ -6591,7 +7695,7 @@
           <p:nvPr/>
         </p:nvPicPr>
         <p:blipFill rotWithShape="1">
-          <a:blip r:embed="rId2"/>
+          <a:blip r:embed="rId3"/>
           <a:srcRect l="15172"/>
           <a:stretch/>
         </p:blipFill>
@@ -6640,7 +7744,7 @@
                   <a:srgbClr val="002060"/>
                 </a:solidFill>
               </a:rPr>
-              <a:t>Data Summary</a:t>
+              <a:t>Check the Packaging</a:t>
             </a:r>
           </a:p>
         </p:txBody>
@@ -6688,10 +7792,81 @@
           </a:fontRef>
         </p:style>
       </p:cxnSp>
+      <p:sp>
+        <p:nvSpPr>
+          <p:cNvPr id="2" name="TextBox 1">
+            <a:extLst>
+              <a:ext uri="{FF2B5EF4-FFF2-40B4-BE49-F238E27FC236}">
+                <a16:creationId xmlns:a16="http://schemas.microsoft.com/office/drawing/2014/main" id="{66452FBB-413E-BDEB-AB1D-F1B7DD15BB39}"/>
+              </a:ext>
+            </a:extLst>
+          </p:cNvPr>
+          <p:cNvSpPr txBox="1"/>
+          <p:nvPr/>
+        </p:nvSpPr>
+        <p:spPr>
+          <a:xfrm>
+            <a:off x="0" y="6627168"/>
+            <a:ext cx="5910146" cy="230832"/>
+          </a:xfrm>
+          <a:prstGeom prst="rect">
+            <a:avLst/>
+          </a:prstGeom>
+          <a:noFill/>
+        </p:spPr>
+        <p:txBody>
+          <a:bodyPr wrap="square" rtlCol="0">
+            <a:spAutoFit/>
+          </a:bodyPr>
+          <a:lstStyle/>
+          <a:p>
+            <a:r>
+              <a:rPr lang="en-US" sz="900" dirty="0">
+                <a:solidFill>
+                  <a:schemeClr val="bg1">
+                    <a:lumMod val="65000"/>
+                  </a:schemeClr>
+                </a:solidFill>
+              </a:rPr>
+              <a:t>Source: https://www.moneysmylife.com/lendingclub-review/</a:t>
+            </a:r>
+          </a:p>
+        </p:txBody>
+      </p:sp>
+      <p:pic>
+        <p:nvPicPr>
+          <p:cNvPr id="4" name="Picture 3">
+            <a:extLst>
+              <a:ext uri="{FF2B5EF4-FFF2-40B4-BE49-F238E27FC236}">
+                <a16:creationId xmlns:a16="http://schemas.microsoft.com/office/drawing/2014/main" id="{2CB8E493-BEA7-851B-E260-4448B06CFB20}"/>
+              </a:ext>
+            </a:extLst>
+          </p:cNvPr>
+          <p:cNvPicPr>
+            <a:picLocks noChangeAspect="1"/>
+          </p:cNvPicPr>
+          <p:nvPr/>
+        </p:nvPicPr>
+        <p:blipFill>
+          <a:blip r:embed="rId4"/>
+          <a:stretch>
+            <a:fillRect/>
+          </a:stretch>
+        </p:blipFill>
+        <p:spPr>
+          <a:xfrm>
+            <a:off x="938469" y="2193807"/>
+            <a:ext cx="9533827" cy="3548012"/>
+          </a:xfrm>
+          <a:prstGeom prst="rect">
+            <a:avLst/>
+          </a:prstGeom>
+        </p:spPr>
+      </p:pic>
     </p:spTree>
     <p:extLst>
       <p:ext uri="{BB962C8B-B14F-4D97-AF65-F5344CB8AC3E}">
-        <p14:creationId xmlns:p14="http://schemas.microsoft.com/office/powerpoint/2010/main" val="567452547"/>
+        <p14:creationId xmlns:p14="http://schemas.microsoft.com/office/powerpoint/2010/main" val="2433708842"/>
       </p:ext>
     </p:extLst>
   </p:cSld>
@@ -6733,7 +7908,7 @@
           <p:nvPr/>
         </p:nvPicPr>
         <p:blipFill rotWithShape="1">
-          <a:blip r:embed="rId2"/>
+          <a:blip r:embed="rId3"/>
           <a:srcRect t="10770" r="84371" b="20000"/>
           <a:stretch/>
         </p:blipFill>
@@ -6762,7 +7937,7 @@
           <p:nvPr/>
         </p:nvPicPr>
         <p:blipFill rotWithShape="1">
-          <a:blip r:embed="rId2"/>
+          <a:blip r:embed="rId3"/>
           <a:srcRect l="15172"/>
           <a:stretch/>
         </p:blipFill>
@@ -6811,7 +7986,7 @@
                   <a:srgbClr val="002060"/>
                 </a:solidFill>
               </a:rPr>
-              <a:t>Title</a:t>
+              <a:t>Top &amp; Bottom of Dataset</a:t>
             </a:r>
           </a:p>
         </p:txBody>
@@ -6859,10 +8034,68 @@
           </a:fontRef>
         </p:style>
       </p:cxnSp>
+      <p:pic>
+        <p:nvPicPr>
+          <p:cNvPr id="3" name="Picture 2">
+            <a:extLst>
+              <a:ext uri="{FF2B5EF4-FFF2-40B4-BE49-F238E27FC236}">
+                <a16:creationId xmlns:a16="http://schemas.microsoft.com/office/drawing/2014/main" id="{04AB5CD9-8351-8B84-4B77-3A4637CA7981}"/>
+              </a:ext>
+            </a:extLst>
+          </p:cNvPr>
+          <p:cNvPicPr>
+            <a:picLocks noChangeAspect="1"/>
+          </p:cNvPicPr>
+          <p:nvPr/>
+        </p:nvPicPr>
+        <p:blipFill rotWithShape="1">
+          <a:blip r:embed="rId4"/>
+          <a:srcRect b="52899"/>
+          <a:stretch/>
+        </p:blipFill>
+        <p:spPr>
+          <a:xfrm>
+            <a:off x="190788" y="1702694"/>
+            <a:ext cx="9550891" cy="2144592"/>
+          </a:xfrm>
+          <a:prstGeom prst="rect">
+            <a:avLst/>
+          </a:prstGeom>
+        </p:spPr>
+      </p:pic>
+      <p:pic>
+        <p:nvPicPr>
+          <p:cNvPr id="4" name="Picture 3">
+            <a:extLst>
+              <a:ext uri="{FF2B5EF4-FFF2-40B4-BE49-F238E27FC236}">
+                <a16:creationId xmlns:a16="http://schemas.microsoft.com/office/drawing/2014/main" id="{3423FD5F-734B-C170-6375-51B40BE697DC}"/>
+              </a:ext>
+            </a:extLst>
+          </p:cNvPr>
+          <p:cNvPicPr>
+            <a:picLocks noChangeAspect="1"/>
+          </p:cNvPicPr>
+          <p:nvPr/>
+        </p:nvPicPr>
+        <p:blipFill rotWithShape="1">
+          <a:blip r:embed="rId4"/>
+          <a:srcRect t="56283"/>
+          <a:stretch/>
+        </p:blipFill>
+        <p:spPr>
+          <a:xfrm>
+            <a:off x="2527095" y="4308758"/>
+            <a:ext cx="9550891" cy="1990533"/>
+          </a:xfrm>
+          <a:prstGeom prst="rect">
+            <a:avLst/>
+          </a:prstGeom>
+        </p:spPr>
+      </p:pic>
     </p:spTree>
     <p:extLst>
       <p:ext uri="{BB962C8B-B14F-4D97-AF65-F5344CB8AC3E}">
-        <p14:creationId xmlns:p14="http://schemas.microsoft.com/office/powerpoint/2010/main" val="4058291531"/>
+        <p14:creationId xmlns:p14="http://schemas.microsoft.com/office/powerpoint/2010/main" val="567452547"/>
       </p:ext>
     </p:extLst>
   </p:cSld>
@@ -6904,7 +8137,7 @@
           <p:nvPr/>
         </p:nvPicPr>
         <p:blipFill rotWithShape="1">
-          <a:blip r:embed="rId2"/>
+          <a:blip r:embed="rId3"/>
           <a:srcRect t="10770" r="84371" b="20000"/>
           <a:stretch/>
         </p:blipFill>
@@ -6933,7 +8166,7 @@
           <p:nvPr/>
         </p:nvPicPr>
         <p:blipFill rotWithShape="1">
-          <a:blip r:embed="rId2"/>
+          <a:blip r:embed="rId3"/>
           <a:srcRect l="15172"/>
           <a:stretch/>
         </p:blipFill>
@@ -6982,7 +8215,7 @@
                   <a:srgbClr val="002060"/>
                 </a:solidFill>
               </a:rPr>
-              <a:t>Title</a:t>
+              <a:t>Check Your N’s and Validate</a:t>
             </a:r>
           </a:p>
         </p:txBody>
@@ -7030,10 +8263,40 @@
           </a:fontRef>
         </p:style>
       </p:cxnSp>
+      <p:pic>
+        <p:nvPicPr>
+          <p:cNvPr id="3" name="Picture 2">
+            <a:extLst>
+              <a:ext uri="{FF2B5EF4-FFF2-40B4-BE49-F238E27FC236}">
+                <a16:creationId xmlns:a16="http://schemas.microsoft.com/office/drawing/2014/main" id="{E6D4857B-17A5-D661-0FE1-AD9B574CEEAF}"/>
+              </a:ext>
+            </a:extLst>
+          </p:cNvPr>
+          <p:cNvPicPr>
+            <a:picLocks noChangeAspect="1"/>
+          </p:cNvPicPr>
+          <p:nvPr/>
+        </p:nvPicPr>
+        <p:blipFill>
+          <a:blip r:embed="rId4"/>
+          <a:stretch>
+            <a:fillRect/>
+          </a:stretch>
+        </p:blipFill>
+        <p:spPr>
+          <a:xfrm>
+            <a:off x="318328" y="2389655"/>
+            <a:ext cx="11418262" cy="3045944"/>
+          </a:xfrm>
+          <a:prstGeom prst="rect">
+            <a:avLst/>
+          </a:prstGeom>
+        </p:spPr>
+      </p:pic>
     </p:spTree>
     <p:extLst>
       <p:ext uri="{BB962C8B-B14F-4D97-AF65-F5344CB8AC3E}">
-        <p14:creationId xmlns:p14="http://schemas.microsoft.com/office/powerpoint/2010/main" val="4234777982"/>
+        <p14:creationId xmlns:p14="http://schemas.microsoft.com/office/powerpoint/2010/main" val="4058291531"/>
       </p:ext>
     </p:extLst>
   </p:cSld>
@@ -7204,7 +8467,7 @@
     </p:spTree>
     <p:extLst>
       <p:ext uri="{BB962C8B-B14F-4D97-AF65-F5344CB8AC3E}">
-        <p14:creationId xmlns:p14="http://schemas.microsoft.com/office/powerpoint/2010/main" val="204326111"/>
+        <p14:creationId xmlns:p14="http://schemas.microsoft.com/office/powerpoint/2010/main" val="2093328735"/>
       </p:ext>
     </p:extLst>
   </p:cSld>
@@ -7375,7 +8638,7 @@
     </p:spTree>
     <p:extLst>
       <p:ext uri="{BB962C8B-B14F-4D97-AF65-F5344CB8AC3E}">
-        <p14:creationId xmlns:p14="http://schemas.microsoft.com/office/powerpoint/2010/main" val="272630648"/>
+        <p14:creationId xmlns:p14="http://schemas.microsoft.com/office/powerpoint/2010/main" val="3950402776"/>
       </p:ext>
     </p:extLst>
   </p:cSld>
@@ -7678,4 +8941,299 @@
     </a:ext>
   </a:extLst>
 </a:theme>
+</file>
+
+<file path=ppt/theme/theme2.xml><?xml version="1.0" encoding="utf-8"?>
+<a:theme xmlns:a="http://schemas.openxmlformats.org/drawingml/2006/main" name="Office Theme">
+  <a:themeElements>
+    <a:clrScheme name="Office">
+      <a:dk1>
+        <a:sysClr val="windowText" lastClr="000000"/>
+      </a:dk1>
+      <a:lt1>
+        <a:sysClr val="window" lastClr="FFFFFF"/>
+      </a:lt1>
+      <a:dk2>
+        <a:srgbClr val="44546A"/>
+      </a:dk2>
+      <a:lt2>
+        <a:srgbClr val="E7E6E6"/>
+      </a:lt2>
+      <a:accent1>
+        <a:srgbClr val="4472C4"/>
+      </a:accent1>
+      <a:accent2>
+        <a:srgbClr val="ED7D31"/>
+      </a:accent2>
+      <a:accent3>
+        <a:srgbClr val="A5A5A5"/>
+      </a:accent3>
+      <a:accent4>
+        <a:srgbClr val="FFC000"/>
+      </a:accent4>
+      <a:accent5>
+        <a:srgbClr val="5B9BD5"/>
+      </a:accent5>
+      <a:accent6>
+        <a:srgbClr val="70AD47"/>
+      </a:accent6>
+      <a:hlink>
+        <a:srgbClr val="0563C1"/>
+      </a:hlink>
+      <a:folHlink>
+        <a:srgbClr val="954F72"/>
+      </a:folHlink>
+    </a:clrScheme>
+    <a:fontScheme name="Office">
+      <a:majorFont>
+        <a:latin typeface="Calibri Light" panose="020F0302020204030204"/>
+        <a:ea typeface=""/>
+        <a:cs typeface=""/>
+        <a:font script="Jpan" typeface="游ゴシック Light"/>
+        <a:font script="Hang" typeface="맑은 고딕"/>
+        <a:font script="Hans" typeface="等线 Light"/>
+        <a:font script="Hant" typeface="新細明體"/>
+        <a:font script="Arab" typeface="Times New Roman"/>
+        <a:font script="Hebr" typeface="Times New Roman"/>
+        <a:font script="Thai" typeface="Angsana New"/>
+        <a:font script="Ethi" typeface="Nyala"/>
+        <a:font script="Beng" typeface="Vrinda"/>
+        <a:font script="Gujr" typeface="Shruti"/>
+        <a:font script="Khmr" typeface="MoolBoran"/>
+        <a:font script="Knda" typeface="Tunga"/>
+        <a:font script="Guru" typeface="Raavi"/>
+        <a:font script="Cans" typeface="Euphemia"/>
+        <a:font script="Cher" typeface="Plantagenet Cherokee"/>
+        <a:font script="Yiii" typeface="Microsoft Yi Baiti"/>
+        <a:font script="Tibt" typeface="Microsoft Himalaya"/>
+        <a:font script="Thaa" typeface="MV Boli"/>
+        <a:font script="Deva" typeface="Mangal"/>
+        <a:font script="Telu" typeface="Gautami"/>
+        <a:font script="Taml" typeface="Latha"/>
+        <a:font script="Syrc" typeface="Estrangelo Edessa"/>
+        <a:font script="Orya" typeface="Kalinga"/>
+        <a:font script="Mlym" typeface="Kartika"/>
+        <a:font script="Laoo" typeface="DokChampa"/>
+        <a:font script="Sinh" typeface="Iskoola Pota"/>
+        <a:font script="Mong" typeface="Mongolian Baiti"/>
+        <a:font script="Viet" typeface="Times New Roman"/>
+        <a:font script="Uigh" typeface="Microsoft Uighur"/>
+        <a:font script="Geor" typeface="Sylfaen"/>
+        <a:font script="Armn" typeface="Arial"/>
+        <a:font script="Bugi" typeface="Leelawadee UI"/>
+        <a:font script="Bopo" typeface="Microsoft JhengHei"/>
+        <a:font script="Java" typeface="Javanese Text"/>
+        <a:font script="Lisu" typeface="Segoe UI"/>
+        <a:font script="Mymr" typeface="Myanmar Text"/>
+        <a:font script="Nkoo" typeface="Ebrima"/>
+        <a:font script="Olck" typeface="Nirmala UI"/>
+        <a:font script="Osma" typeface="Ebrima"/>
+        <a:font script="Phag" typeface="Phagspa"/>
+        <a:font script="Syrn" typeface="Estrangelo Edessa"/>
+        <a:font script="Syrj" typeface="Estrangelo Edessa"/>
+        <a:font script="Syre" typeface="Estrangelo Edessa"/>
+        <a:font script="Sora" typeface="Nirmala UI"/>
+        <a:font script="Tale" typeface="Microsoft Tai Le"/>
+        <a:font script="Talu" typeface="Microsoft New Tai Lue"/>
+        <a:font script="Tfng" typeface="Ebrima"/>
+      </a:majorFont>
+      <a:minorFont>
+        <a:latin typeface="Calibri" panose="020F0502020204030204"/>
+        <a:ea typeface=""/>
+        <a:cs typeface=""/>
+        <a:font script="Jpan" typeface="游ゴシック"/>
+        <a:font script="Hang" typeface="맑은 고딕"/>
+        <a:font script="Hans" typeface="等线"/>
+        <a:font script="Hant" typeface="新細明體"/>
+        <a:font script="Arab" typeface="Arial"/>
+        <a:font script="Hebr" typeface="Arial"/>
+        <a:font script="Thai" typeface="Cordia New"/>
+        <a:font script="Ethi" typeface="Nyala"/>
+        <a:font script="Beng" typeface="Vrinda"/>
+        <a:font script="Gujr" typeface="Shruti"/>
+        <a:font script="Khmr" typeface="DaunPenh"/>
+        <a:font script="Knda" typeface="Tunga"/>
+        <a:font script="Guru" typeface="Raavi"/>
+        <a:font script="Cans" typeface="Euphemia"/>
+        <a:font script="Cher" typeface="Plantagenet Cherokee"/>
+        <a:font script="Yiii" typeface="Microsoft Yi Baiti"/>
+        <a:font script="Tibt" typeface="Microsoft Himalaya"/>
+        <a:font script="Thaa" typeface="MV Boli"/>
+        <a:font script="Deva" typeface="Mangal"/>
+        <a:font script="Telu" typeface="Gautami"/>
+        <a:font script="Taml" typeface="Latha"/>
+        <a:font script="Syrc" typeface="Estrangelo Edessa"/>
+        <a:font script="Orya" typeface="Kalinga"/>
+        <a:font script="Mlym" typeface="Kartika"/>
+        <a:font script="Laoo" typeface="DokChampa"/>
+        <a:font script="Sinh" typeface="Iskoola Pota"/>
+        <a:font script="Mong" typeface="Mongolian Baiti"/>
+        <a:font script="Viet" typeface="Arial"/>
+        <a:font script="Uigh" typeface="Microsoft Uighur"/>
+        <a:font script="Geor" typeface="Sylfaen"/>
+        <a:font script="Armn" typeface="Arial"/>
+        <a:font script="Bugi" typeface="Leelawadee UI"/>
+        <a:font script="Bopo" typeface="Microsoft JhengHei"/>
+        <a:font script="Java" typeface="Javanese Text"/>
+        <a:font script="Lisu" typeface="Segoe UI"/>
+        <a:font script="Mymr" typeface="Myanmar Text"/>
+        <a:font script="Nkoo" typeface="Ebrima"/>
+        <a:font script="Olck" typeface="Nirmala UI"/>
+        <a:font script="Osma" typeface="Ebrima"/>
+        <a:font script="Phag" typeface="Phagspa"/>
+        <a:font script="Syrn" typeface="Estrangelo Edessa"/>
+        <a:font script="Syrj" typeface="Estrangelo Edessa"/>
+        <a:font script="Syre" typeface="Estrangelo Edessa"/>
+        <a:font script="Sora" typeface="Nirmala UI"/>
+        <a:font script="Tale" typeface="Microsoft Tai Le"/>
+        <a:font script="Talu" typeface="Microsoft New Tai Lue"/>
+        <a:font script="Tfng" typeface="Ebrima"/>
+      </a:minorFont>
+    </a:fontScheme>
+    <a:fmtScheme name="Office">
+      <a:fillStyleLst>
+        <a:solidFill>
+          <a:schemeClr val="phClr"/>
+        </a:solidFill>
+        <a:gradFill rotWithShape="1">
+          <a:gsLst>
+            <a:gs pos="0">
+              <a:schemeClr val="phClr">
+                <a:lumMod val="110000"/>
+                <a:satMod val="105000"/>
+                <a:tint val="67000"/>
+              </a:schemeClr>
+            </a:gs>
+            <a:gs pos="50000">
+              <a:schemeClr val="phClr">
+                <a:lumMod val="105000"/>
+                <a:satMod val="103000"/>
+                <a:tint val="73000"/>
+              </a:schemeClr>
+            </a:gs>
+            <a:gs pos="100000">
+              <a:schemeClr val="phClr">
+                <a:lumMod val="105000"/>
+                <a:satMod val="109000"/>
+                <a:tint val="81000"/>
+              </a:schemeClr>
+            </a:gs>
+          </a:gsLst>
+          <a:lin ang="5400000" scaled="0"/>
+        </a:gradFill>
+        <a:gradFill rotWithShape="1">
+          <a:gsLst>
+            <a:gs pos="0">
+              <a:schemeClr val="phClr">
+                <a:satMod val="103000"/>
+                <a:lumMod val="102000"/>
+                <a:tint val="94000"/>
+              </a:schemeClr>
+            </a:gs>
+            <a:gs pos="50000">
+              <a:schemeClr val="phClr">
+                <a:satMod val="110000"/>
+                <a:lumMod val="100000"/>
+                <a:shade val="100000"/>
+              </a:schemeClr>
+            </a:gs>
+            <a:gs pos="100000">
+              <a:schemeClr val="phClr">
+                <a:lumMod val="99000"/>
+                <a:satMod val="120000"/>
+                <a:shade val="78000"/>
+              </a:schemeClr>
+            </a:gs>
+          </a:gsLst>
+          <a:lin ang="5400000" scaled="0"/>
+        </a:gradFill>
+      </a:fillStyleLst>
+      <a:lnStyleLst>
+        <a:ln w="6350" cap="flat" cmpd="sng" algn="ctr">
+          <a:solidFill>
+            <a:schemeClr val="phClr"/>
+          </a:solidFill>
+          <a:prstDash val="solid"/>
+          <a:miter lim="800000"/>
+        </a:ln>
+        <a:ln w="12700" cap="flat" cmpd="sng" algn="ctr">
+          <a:solidFill>
+            <a:schemeClr val="phClr"/>
+          </a:solidFill>
+          <a:prstDash val="solid"/>
+          <a:miter lim="800000"/>
+        </a:ln>
+        <a:ln w="19050" cap="flat" cmpd="sng" algn="ctr">
+          <a:solidFill>
+            <a:schemeClr val="phClr"/>
+          </a:solidFill>
+          <a:prstDash val="solid"/>
+          <a:miter lim="800000"/>
+        </a:ln>
+      </a:lnStyleLst>
+      <a:effectStyleLst>
+        <a:effectStyle>
+          <a:effectLst/>
+        </a:effectStyle>
+        <a:effectStyle>
+          <a:effectLst/>
+        </a:effectStyle>
+        <a:effectStyle>
+          <a:effectLst>
+            <a:outerShdw blurRad="57150" dist="19050" dir="5400000" algn="ctr" rotWithShape="0">
+              <a:srgbClr val="000000">
+                <a:alpha val="63000"/>
+              </a:srgbClr>
+            </a:outerShdw>
+          </a:effectLst>
+        </a:effectStyle>
+      </a:effectStyleLst>
+      <a:bgFillStyleLst>
+        <a:solidFill>
+          <a:schemeClr val="phClr"/>
+        </a:solidFill>
+        <a:solidFill>
+          <a:schemeClr val="phClr">
+            <a:tint val="95000"/>
+            <a:satMod val="170000"/>
+          </a:schemeClr>
+        </a:solidFill>
+        <a:gradFill rotWithShape="1">
+          <a:gsLst>
+            <a:gs pos="0">
+              <a:schemeClr val="phClr">
+                <a:tint val="93000"/>
+                <a:satMod val="150000"/>
+                <a:shade val="98000"/>
+                <a:lumMod val="102000"/>
+              </a:schemeClr>
+            </a:gs>
+            <a:gs pos="50000">
+              <a:schemeClr val="phClr">
+                <a:tint val="98000"/>
+                <a:satMod val="130000"/>
+                <a:shade val="90000"/>
+                <a:lumMod val="103000"/>
+              </a:schemeClr>
+            </a:gs>
+            <a:gs pos="100000">
+              <a:schemeClr val="phClr">
+                <a:shade val="63000"/>
+                <a:satMod val="120000"/>
+              </a:schemeClr>
+            </a:gs>
+          </a:gsLst>
+          <a:lin ang="5400000" scaled="0"/>
+        </a:gradFill>
+      </a:bgFillStyleLst>
+    </a:fmtScheme>
+  </a:themeElements>
+  <a:objectDefaults/>
+  <a:extraClrSchemeLst/>
+  <a:extLst>
+    <a:ext uri="{05A4C25C-085E-4340-85A3-A5531E510DB2}">
+      <thm15:themeFamily xmlns:thm15="http://schemas.microsoft.com/office/thememl/2012/main" name="Office Theme" id="{62F939B6-93AF-4DB8-9C6B-D6C7DFDC589F}" vid="{4A3C46E8-61CC-4603-A589-7422A47A8E4A}"/>
+    </a:ext>
+  </a:extLst>
+</a:theme>
 </file>